--- a/Tutorial_8_Kraken.pptx
+++ b/Tutorial_8_Kraken.pptx
@@ -5,7 +5,7 @@
     <p:sldMasterId id="2147483699" r:id="rId1"/>
   </p:sldMasterIdLst>
   <p:notesMasterIdLst>
-    <p:notesMasterId r:id="rId11"/>
+    <p:notesMasterId r:id="rId18"/>
   </p:notesMasterIdLst>
   <p:sldIdLst>
     <p:sldId id="256" r:id="rId2"/>
@@ -16,7 +16,14 @@
     <p:sldId id="261" r:id="rId7"/>
     <p:sldId id="262" r:id="rId8"/>
     <p:sldId id="264" r:id="rId9"/>
-    <p:sldId id="263" r:id="rId10"/>
+    <p:sldId id="268" r:id="rId10"/>
+    <p:sldId id="269" r:id="rId11"/>
+    <p:sldId id="267" r:id="rId12"/>
+    <p:sldId id="266" r:id="rId13"/>
+    <p:sldId id="265" r:id="rId14"/>
+    <p:sldId id="270" r:id="rId15"/>
+    <p:sldId id="271" r:id="rId16"/>
+    <p:sldId id="263" r:id="rId17"/>
   </p:sldIdLst>
   <p:sldSz cx="12192000" cy="6858000"/>
   <p:notesSz cx="6858000" cy="9144000"/>
@@ -115,6 +122,11 @@
       </a:defRPr>
     </a:lvl9pPr>
   </p:defaultTextStyle>
+  <p:extLst>
+    <p:ext uri="{EFAFB233-063F-42B5-8137-9DF3F51BA10A}">
+      <p15:sldGuideLst xmlns:p15="http://schemas.microsoft.com/office/powerpoint/2012/main"/>
+    </p:ext>
+  </p:extLst>
 </p:presentation>
 </file>
 
@@ -7772,6 +7784,2397 @@
 </p:sld>
 </file>
 
+<file path=ppt/slides/slide10.xml><?xml version="1.0" encoding="utf-8"?>
+<p:sld xmlns:a="http://schemas.openxmlformats.org/drawingml/2006/main" xmlns:r="http://schemas.openxmlformats.org/officeDocument/2006/relationships" xmlns:p="http://schemas.openxmlformats.org/presentationml/2006/main">
+  <p:cSld>
+    <p:spTree>
+      <p:nvGrpSpPr>
+        <p:cNvPr id="1" name=""/>
+        <p:cNvGrpSpPr/>
+        <p:nvPr/>
+      </p:nvGrpSpPr>
+      <p:grpSpPr>
+        <a:xfrm>
+          <a:off x="0" y="0"/>
+          <a:ext cx="0" cy="0"/>
+          <a:chOff x="0" y="0"/>
+          <a:chExt cx="0" cy="0"/>
+        </a:xfrm>
+      </p:grpSpPr>
+      <p:sp>
+        <p:nvSpPr>
+          <p:cNvPr id="2" name="Title 1">
+            <a:extLst>
+              <a:ext uri="{FF2B5EF4-FFF2-40B4-BE49-F238E27FC236}">
+                <a16:creationId xmlns:a16="http://schemas.microsoft.com/office/drawing/2014/main" id="{41AE8981-DAE1-4066-A170-47AC032EFDF3}"/>
+              </a:ext>
+            </a:extLst>
+          </p:cNvPr>
+          <p:cNvSpPr>
+            <a:spLocks noGrp="1"/>
+          </p:cNvSpPr>
+          <p:nvPr>
+            <p:ph type="title"/>
+          </p:nvPr>
+        </p:nvSpPr>
+        <p:spPr>
+          <a:xfrm>
+            <a:off x="581192" y="702156"/>
+            <a:ext cx="11029616" cy="504852"/>
+          </a:xfrm>
+        </p:spPr>
+        <p:txBody>
+          <a:bodyPr/>
+          <a:lstStyle/>
+          <a:p>
+            <a:r>
+              <a:rPr lang="en-US" dirty="0"/>
+              <a:t>Installation &amp; downloads</a:t>
+            </a:r>
+          </a:p>
+        </p:txBody>
+      </p:sp>
+      <p:sp>
+        <p:nvSpPr>
+          <p:cNvPr id="3" name="Content Placeholder 2">
+            <a:extLst>
+              <a:ext uri="{FF2B5EF4-FFF2-40B4-BE49-F238E27FC236}">
+                <a16:creationId xmlns:a16="http://schemas.microsoft.com/office/drawing/2014/main" id="{7F982C92-6CBF-4D61-97CC-BD52C59092FE}"/>
+              </a:ext>
+            </a:extLst>
+          </p:cNvPr>
+          <p:cNvSpPr>
+            <a:spLocks noGrp="1"/>
+          </p:cNvSpPr>
+          <p:nvPr>
+            <p:ph idx="1"/>
+          </p:nvPr>
+        </p:nvSpPr>
+        <p:spPr>
+          <a:xfrm>
+            <a:off x="581193" y="923544"/>
+            <a:ext cx="11029615" cy="5010912"/>
+          </a:xfrm>
+        </p:spPr>
+        <p:txBody>
+          <a:bodyPr/>
+          <a:lstStyle/>
+          <a:p>
+            <a:r>
+              <a:rPr lang="en-US" dirty="0"/>
+              <a:t>Download Kraken2 Docker:</a:t>
+            </a:r>
+          </a:p>
+          <a:p>
+            <a:endParaRPr lang="en-US" dirty="0"/>
+          </a:p>
+          <a:p>
+            <a:endParaRPr lang="en-US" dirty="0"/>
+          </a:p>
+          <a:p>
+            <a:r>
+              <a:rPr lang="en-US" dirty="0"/>
+              <a:t>(Or) find it on </a:t>
+            </a:r>
+            <a:r>
+              <a:rPr lang="en-US" dirty="0" err="1"/>
+              <a:t>Picotte</a:t>
+            </a:r>
+            <a:r>
+              <a:rPr lang="en-US" dirty="0"/>
+              <a:t>:</a:t>
+            </a:r>
+          </a:p>
+          <a:p>
+            <a:endParaRPr lang="en-US" dirty="0"/>
+          </a:p>
+          <a:p>
+            <a:endParaRPr lang="en-US" dirty="0"/>
+          </a:p>
+          <a:p>
+            <a:r>
+              <a:rPr lang="en-US" dirty="0"/>
+              <a:t>Must also download </a:t>
+            </a:r>
+            <a:r>
+              <a:rPr lang="en-US" dirty="0" err="1"/>
+              <a:t>taxo</a:t>
+            </a:r>
+            <a:r>
+              <a:rPr lang="en-US" dirty="0"/>
+              <a:t> database: </a:t>
+            </a:r>
+          </a:p>
+          <a:p>
+            <a:pPr marL="0" indent="0">
+              <a:buNone/>
+            </a:pPr>
+            <a:endParaRPr lang="en-US" dirty="0"/>
+          </a:p>
+          <a:p>
+            <a:endParaRPr lang="en-US" dirty="0"/>
+          </a:p>
+          <a:p>
+            <a:r>
+              <a:rPr lang="en-US" dirty="0"/>
+              <a:t>Also available on </a:t>
+            </a:r>
+            <a:r>
+              <a:rPr lang="en-US" dirty="0" err="1"/>
+              <a:t>picotte</a:t>
+            </a:r>
+            <a:endParaRPr lang="en-US" dirty="0"/>
+          </a:p>
+          <a:p>
+            <a:pPr marL="0" indent="0">
+              <a:buNone/>
+            </a:pPr>
+            <a:endParaRPr lang="en-US" dirty="0"/>
+          </a:p>
+        </p:txBody>
+      </p:sp>
+      <p:pic>
+        <p:nvPicPr>
+          <p:cNvPr id="5" name="Picture 4">
+            <a:extLst>
+              <a:ext uri="{FF2B5EF4-FFF2-40B4-BE49-F238E27FC236}">
+                <a16:creationId xmlns:a16="http://schemas.microsoft.com/office/drawing/2014/main" id="{7FC0D0E1-2222-4761-AC98-3FCFF219FEC1}"/>
+              </a:ext>
+            </a:extLst>
+          </p:cNvPr>
+          <p:cNvPicPr>
+            <a:picLocks noChangeAspect="1"/>
+          </p:cNvPicPr>
+          <p:nvPr/>
+        </p:nvPicPr>
+        <p:blipFill>
+          <a:blip r:embed="rId2"/>
+          <a:stretch>
+            <a:fillRect/>
+          </a:stretch>
+        </p:blipFill>
+        <p:spPr>
+          <a:xfrm>
+            <a:off x="581191" y="2847894"/>
+            <a:ext cx="10157691" cy="785322"/>
+          </a:xfrm>
+          <a:prstGeom prst="rect">
+            <a:avLst/>
+          </a:prstGeom>
+        </p:spPr>
+      </p:pic>
+      <p:sp>
+        <p:nvSpPr>
+          <p:cNvPr id="6" name="Rectangle 5">
+            <a:extLst>
+              <a:ext uri="{FF2B5EF4-FFF2-40B4-BE49-F238E27FC236}">
+                <a16:creationId xmlns:a16="http://schemas.microsoft.com/office/drawing/2014/main" id="{EA5523D4-DD71-4571-AFB1-C025BF9D20CF}"/>
+              </a:ext>
+            </a:extLst>
+          </p:cNvPr>
+          <p:cNvSpPr/>
+          <p:nvPr/>
+        </p:nvSpPr>
+        <p:spPr>
+          <a:xfrm>
+            <a:off x="2804160" y="3011424"/>
+            <a:ext cx="1719072" cy="256032"/>
+          </a:xfrm>
+          <a:prstGeom prst="rect">
+            <a:avLst/>
+          </a:prstGeom>
+          <a:noFill/>
+        </p:spPr>
+        <p:style>
+          <a:lnRef idx="2">
+            <a:schemeClr val="accent6"/>
+          </a:lnRef>
+          <a:fillRef idx="1">
+            <a:schemeClr val="lt1"/>
+          </a:fillRef>
+          <a:effectRef idx="0">
+            <a:schemeClr val="accent6"/>
+          </a:effectRef>
+          <a:fontRef idx="minor">
+            <a:schemeClr val="dk1"/>
+          </a:fontRef>
+        </p:style>
+        <p:txBody>
+          <a:bodyPr rtlCol="0" anchor="ctr"/>
+          <a:lstStyle/>
+          <a:p>
+            <a:pPr algn="ctr"/>
+            <a:endParaRPr lang="en-US"/>
+          </a:p>
+        </p:txBody>
+      </p:sp>
+      <p:pic>
+        <p:nvPicPr>
+          <p:cNvPr id="8" name="Picture 7">
+            <a:extLst>
+              <a:ext uri="{FF2B5EF4-FFF2-40B4-BE49-F238E27FC236}">
+                <a16:creationId xmlns:a16="http://schemas.microsoft.com/office/drawing/2014/main" id="{FED8AF49-B629-44F3-9BD2-5D3D083DEBE9}"/>
+              </a:ext>
+            </a:extLst>
+          </p:cNvPr>
+          <p:cNvPicPr>
+            <a:picLocks noChangeAspect="1"/>
+          </p:cNvPicPr>
+          <p:nvPr/>
+        </p:nvPicPr>
+        <p:blipFill>
+          <a:blip r:embed="rId3"/>
+          <a:stretch>
+            <a:fillRect/>
+          </a:stretch>
+        </p:blipFill>
+        <p:spPr>
+          <a:xfrm>
+            <a:off x="581191" y="1617818"/>
+            <a:ext cx="3733551" cy="504851"/>
+          </a:xfrm>
+          <a:prstGeom prst="rect">
+            <a:avLst/>
+          </a:prstGeom>
+        </p:spPr>
+      </p:pic>
+      <p:pic>
+        <p:nvPicPr>
+          <p:cNvPr id="10" name="Picture 9">
+            <a:extLst>
+              <a:ext uri="{FF2B5EF4-FFF2-40B4-BE49-F238E27FC236}">
+                <a16:creationId xmlns:a16="http://schemas.microsoft.com/office/drawing/2014/main" id="{93079CF8-FC9C-4E5A-852C-C2D0B0764F13}"/>
+              </a:ext>
+            </a:extLst>
+          </p:cNvPr>
+          <p:cNvPicPr>
+            <a:picLocks noChangeAspect="1"/>
+          </p:cNvPicPr>
+          <p:nvPr/>
+        </p:nvPicPr>
+        <p:blipFill>
+          <a:blip r:embed="rId4"/>
+          <a:stretch>
+            <a:fillRect/>
+          </a:stretch>
+        </p:blipFill>
+        <p:spPr>
+          <a:xfrm>
+            <a:off x="581191" y="4097940"/>
+            <a:ext cx="5687219" cy="685896"/>
+          </a:xfrm>
+          <a:prstGeom prst="rect">
+            <a:avLst/>
+          </a:prstGeom>
+        </p:spPr>
+      </p:pic>
+      <p:pic>
+        <p:nvPicPr>
+          <p:cNvPr id="12" name="Picture 11">
+            <a:extLst>
+              <a:ext uri="{FF2B5EF4-FFF2-40B4-BE49-F238E27FC236}">
+                <a16:creationId xmlns:a16="http://schemas.microsoft.com/office/drawing/2014/main" id="{65F24753-27CE-4B21-9228-A70B7E589FC5}"/>
+              </a:ext>
+            </a:extLst>
+          </p:cNvPr>
+          <p:cNvPicPr>
+            <a:picLocks noChangeAspect="1"/>
+          </p:cNvPicPr>
+          <p:nvPr/>
+        </p:nvPicPr>
+        <p:blipFill>
+          <a:blip r:embed="rId5"/>
+          <a:stretch>
+            <a:fillRect/>
+          </a:stretch>
+        </p:blipFill>
+        <p:spPr>
+          <a:xfrm>
+            <a:off x="581191" y="5288226"/>
+            <a:ext cx="5234393" cy="469190"/>
+          </a:xfrm>
+          <a:prstGeom prst="rect">
+            <a:avLst/>
+          </a:prstGeom>
+        </p:spPr>
+      </p:pic>
+    </p:spTree>
+    <p:extLst>
+      <p:ext uri="{BB962C8B-B14F-4D97-AF65-F5344CB8AC3E}">
+        <p14:creationId xmlns:p14="http://schemas.microsoft.com/office/powerpoint/2010/main" val="3171374667"/>
+      </p:ext>
+    </p:extLst>
+  </p:cSld>
+  <p:clrMapOvr>
+    <a:masterClrMapping/>
+  </p:clrMapOvr>
+</p:sld>
+</file>
+
+<file path=ppt/slides/slide11.xml><?xml version="1.0" encoding="utf-8"?>
+<p:sld xmlns:a="http://schemas.openxmlformats.org/drawingml/2006/main" xmlns:r="http://schemas.openxmlformats.org/officeDocument/2006/relationships" xmlns:p="http://schemas.openxmlformats.org/presentationml/2006/main">
+  <p:cSld>
+    <p:spTree>
+      <p:nvGrpSpPr>
+        <p:cNvPr id="1" name=""/>
+        <p:cNvGrpSpPr/>
+        <p:nvPr/>
+      </p:nvGrpSpPr>
+      <p:grpSpPr>
+        <a:xfrm>
+          <a:off x="0" y="0"/>
+          <a:ext cx="0" cy="0"/>
+          <a:chOff x="0" y="0"/>
+          <a:chExt cx="0" cy="0"/>
+        </a:xfrm>
+      </p:grpSpPr>
+      <p:sp>
+        <p:nvSpPr>
+          <p:cNvPr id="2" name="Title 1">
+            <a:extLst>
+              <a:ext uri="{FF2B5EF4-FFF2-40B4-BE49-F238E27FC236}">
+                <a16:creationId xmlns:a16="http://schemas.microsoft.com/office/drawing/2014/main" id="{325F50D5-588E-4CB0-9613-A891EC9C3A82}"/>
+              </a:ext>
+            </a:extLst>
+          </p:cNvPr>
+          <p:cNvSpPr>
+            <a:spLocks noGrp="1"/>
+          </p:cNvSpPr>
+          <p:nvPr>
+            <p:ph type="title"/>
+          </p:nvPr>
+        </p:nvSpPr>
+        <p:spPr>
+          <a:xfrm>
+            <a:off x="581192" y="1342031"/>
+            <a:ext cx="11029616" cy="488796"/>
+          </a:xfrm>
+        </p:spPr>
+        <p:txBody>
+          <a:bodyPr/>
+          <a:lstStyle/>
+          <a:p>
+            <a:r>
+              <a:rPr lang="en-US" dirty="0"/>
+              <a:t>Run kraken2 container in singularity</a:t>
+            </a:r>
+          </a:p>
+        </p:txBody>
+      </p:sp>
+      <p:sp>
+        <p:nvSpPr>
+          <p:cNvPr id="3" name="Content Placeholder 2">
+            <a:extLst>
+              <a:ext uri="{FF2B5EF4-FFF2-40B4-BE49-F238E27FC236}">
+                <a16:creationId xmlns:a16="http://schemas.microsoft.com/office/drawing/2014/main" id="{C3EFD737-3679-4E12-BEB8-6BD3BF7D8FE5}"/>
+              </a:ext>
+            </a:extLst>
+          </p:cNvPr>
+          <p:cNvSpPr>
+            <a:spLocks noGrp="1"/>
+          </p:cNvSpPr>
+          <p:nvPr>
+            <p:ph idx="1"/>
+          </p:nvPr>
+        </p:nvSpPr>
+        <p:spPr>
+          <a:xfrm>
+            <a:off x="581192" y="2286353"/>
+            <a:ext cx="11029615" cy="4180679"/>
+          </a:xfrm>
+        </p:spPr>
+        <p:txBody>
+          <a:bodyPr>
+            <a:normAutofit/>
+          </a:bodyPr>
+          <a:lstStyle/>
+          <a:p>
+            <a:r>
+              <a:rPr lang="en-US" dirty="0"/>
+              <a:t>Request node to run on: </a:t>
+            </a:r>
+          </a:p>
+          <a:p>
+            <a:endParaRPr lang="en-US" dirty="0"/>
+          </a:p>
+          <a:p>
+            <a:r>
+              <a:rPr lang="en-US" dirty="0"/>
+              <a:t>Run the docker using singularity, bind to our groups folder</a:t>
+            </a:r>
+          </a:p>
+          <a:p>
+            <a:endParaRPr lang="en-US" dirty="0"/>
+          </a:p>
+          <a:p>
+            <a:r>
+              <a:rPr lang="en-US" dirty="0"/>
+              <a:t>We are using the run command to execute through the kraken container</a:t>
+            </a:r>
+          </a:p>
+          <a:p>
+            <a:endParaRPr lang="en-US" dirty="0"/>
+          </a:p>
+          <a:p>
+            <a:endParaRPr lang="en-US" dirty="0"/>
+          </a:p>
+          <a:p>
+            <a:endParaRPr lang="en-US" sz="4300" dirty="0"/>
+          </a:p>
+          <a:p>
+            <a:endParaRPr lang="en-US" dirty="0"/>
+          </a:p>
+          <a:p>
+            <a:endParaRPr lang="en-US" dirty="0"/>
+          </a:p>
+          <a:p>
+            <a:endParaRPr lang="en-US" dirty="0"/>
+          </a:p>
+        </p:txBody>
+      </p:sp>
+      <p:pic>
+        <p:nvPicPr>
+          <p:cNvPr id="5" name="Picture 4">
+            <a:extLst>
+              <a:ext uri="{FF2B5EF4-FFF2-40B4-BE49-F238E27FC236}">
+                <a16:creationId xmlns:a16="http://schemas.microsoft.com/office/drawing/2014/main" id="{5DC2C260-94D6-4C8C-81E2-528CFDA2AF57}"/>
+              </a:ext>
+            </a:extLst>
+          </p:cNvPr>
+          <p:cNvPicPr>
+            <a:picLocks noChangeAspect="1"/>
+          </p:cNvPicPr>
+          <p:nvPr/>
+        </p:nvPicPr>
+        <p:blipFill>
+          <a:blip r:embed="rId2"/>
+          <a:stretch>
+            <a:fillRect/>
+          </a:stretch>
+        </p:blipFill>
+        <p:spPr>
+          <a:xfrm>
+            <a:off x="581192" y="2222291"/>
+            <a:ext cx="10206094" cy="216339"/>
+          </a:xfrm>
+          <a:prstGeom prst="rect">
+            <a:avLst/>
+          </a:prstGeom>
+        </p:spPr>
+      </p:pic>
+      <p:pic>
+        <p:nvPicPr>
+          <p:cNvPr id="7" name="Picture 6">
+            <a:extLst>
+              <a:ext uri="{FF2B5EF4-FFF2-40B4-BE49-F238E27FC236}">
+                <a16:creationId xmlns:a16="http://schemas.microsoft.com/office/drawing/2014/main" id="{E0A2F0A5-C68F-4C6F-A783-A5FC62D2BA18}"/>
+              </a:ext>
+            </a:extLst>
+          </p:cNvPr>
+          <p:cNvPicPr>
+            <a:picLocks noChangeAspect="1"/>
+          </p:cNvPicPr>
+          <p:nvPr/>
+        </p:nvPicPr>
+        <p:blipFill>
+          <a:blip r:embed="rId3"/>
+          <a:stretch>
+            <a:fillRect/>
+          </a:stretch>
+        </p:blipFill>
+        <p:spPr>
+          <a:xfrm>
+            <a:off x="495849" y="3019836"/>
+            <a:ext cx="7937245" cy="184349"/>
+          </a:xfrm>
+          <a:prstGeom prst="rect">
+            <a:avLst/>
+          </a:prstGeom>
+        </p:spPr>
+      </p:pic>
+      <p:pic>
+        <p:nvPicPr>
+          <p:cNvPr id="9" name="Picture 8">
+            <a:extLst>
+              <a:ext uri="{FF2B5EF4-FFF2-40B4-BE49-F238E27FC236}">
+                <a16:creationId xmlns:a16="http://schemas.microsoft.com/office/drawing/2014/main" id="{006FF34D-C483-48A1-AE92-59300407AC0B}"/>
+              </a:ext>
+            </a:extLst>
+          </p:cNvPr>
+          <p:cNvPicPr>
+            <a:picLocks noChangeAspect="1"/>
+          </p:cNvPicPr>
+          <p:nvPr/>
+        </p:nvPicPr>
+        <p:blipFill>
+          <a:blip r:embed="rId4"/>
+          <a:stretch>
+            <a:fillRect/>
+          </a:stretch>
+        </p:blipFill>
+        <p:spPr>
+          <a:xfrm>
+            <a:off x="8433094" y="2711276"/>
+            <a:ext cx="3589574" cy="3962516"/>
+          </a:xfrm>
+          <a:prstGeom prst="rect">
+            <a:avLst/>
+          </a:prstGeom>
+        </p:spPr>
+      </p:pic>
+    </p:spTree>
+    <p:extLst>
+      <p:ext uri="{BB962C8B-B14F-4D97-AF65-F5344CB8AC3E}">
+        <p14:creationId xmlns:p14="http://schemas.microsoft.com/office/powerpoint/2010/main" val="1738055025"/>
+      </p:ext>
+    </p:extLst>
+  </p:cSld>
+  <p:clrMapOvr>
+    <a:masterClrMapping/>
+  </p:clrMapOvr>
+</p:sld>
+</file>
+
+<file path=ppt/slides/slide12.xml><?xml version="1.0" encoding="utf-8"?>
+<p:sld xmlns:a="http://schemas.openxmlformats.org/drawingml/2006/main" xmlns:r="http://schemas.openxmlformats.org/officeDocument/2006/relationships" xmlns:p="http://schemas.openxmlformats.org/presentationml/2006/main">
+  <p:cSld>
+    <p:spTree>
+      <p:nvGrpSpPr>
+        <p:cNvPr id="1" name=""/>
+        <p:cNvGrpSpPr/>
+        <p:nvPr/>
+      </p:nvGrpSpPr>
+      <p:grpSpPr>
+        <a:xfrm>
+          <a:off x="0" y="0"/>
+          <a:ext cx="0" cy="0"/>
+          <a:chOff x="0" y="0"/>
+          <a:chExt cx="0" cy="0"/>
+        </a:xfrm>
+      </p:grpSpPr>
+      <p:sp>
+        <p:nvSpPr>
+          <p:cNvPr id="2" name="Title 1">
+            <a:extLst>
+              <a:ext uri="{FF2B5EF4-FFF2-40B4-BE49-F238E27FC236}">
+                <a16:creationId xmlns:a16="http://schemas.microsoft.com/office/drawing/2014/main" id="{7CF22E9E-19C1-4AEA-B91B-51DABAF4322F}"/>
+              </a:ext>
+            </a:extLst>
+          </p:cNvPr>
+          <p:cNvSpPr>
+            <a:spLocks noGrp="1"/>
+          </p:cNvSpPr>
+          <p:nvPr>
+            <p:ph type="title"/>
+          </p:nvPr>
+        </p:nvSpPr>
+        <p:spPr/>
+        <p:txBody>
+          <a:bodyPr/>
+          <a:lstStyle/>
+          <a:p>
+            <a:r>
+              <a:rPr lang="en-US" dirty="0"/>
+              <a:t>Usage notes (kraken)</a:t>
+            </a:r>
+          </a:p>
+        </p:txBody>
+      </p:sp>
+      <p:pic>
+        <p:nvPicPr>
+          <p:cNvPr id="5" name="Content Placeholder 4">
+            <a:extLst>
+              <a:ext uri="{FF2B5EF4-FFF2-40B4-BE49-F238E27FC236}">
+                <a16:creationId xmlns:a16="http://schemas.microsoft.com/office/drawing/2014/main" id="{C018BD5C-843E-4289-849E-96C9CBF5B735}"/>
+              </a:ext>
+            </a:extLst>
+          </p:cNvPr>
+          <p:cNvPicPr>
+            <a:picLocks noGrp="1" noChangeAspect="1"/>
+          </p:cNvPicPr>
+          <p:nvPr>
+            <p:ph idx="1"/>
+          </p:nvPr>
+        </p:nvPicPr>
+        <p:blipFill>
+          <a:blip r:embed="rId2"/>
+          <a:stretch>
+            <a:fillRect/>
+          </a:stretch>
+        </p:blipFill>
+        <p:spPr>
+          <a:xfrm>
+            <a:off x="7873135" y="2127380"/>
+            <a:ext cx="4135081" cy="4264753"/>
+          </a:xfrm>
+        </p:spPr>
+      </p:pic>
+      <p:sp>
+        <p:nvSpPr>
+          <p:cNvPr id="6" name="TextBox 5">
+            <a:extLst>
+              <a:ext uri="{FF2B5EF4-FFF2-40B4-BE49-F238E27FC236}">
+                <a16:creationId xmlns:a16="http://schemas.microsoft.com/office/drawing/2014/main" id="{3F97E8D4-7D19-4D92-BA04-FAD7FA6FED32}"/>
+              </a:ext>
+            </a:extLst>
+          </p:cNvPr>
+          <p:cNvSpPr txBox="1"/>
+          <p:nvPr/>
+        </p:nvSpPr>
+        <p:spPr>
+          <a:xfrm>
+            <a:off x="410547" y="2015412"/>
+            <a:ext cx="7305869" cy="1477328"/>
+          </a:xfrm>
+          <a:prstGeom prst="rect">
+            <a:avLst/>
+          </a:prstGeom>
+          <a:noFill/>
+        </p:spPr>
+        <p:txBody>
+          <a:bodyPr wrap="square" rtlCol="0">
+            <a:spAutoFit/>
+          </a:bodyPr>
+          <a:lstStyle/>
+          <a:p>
+            <a:r>
+              <a:rPr lang="en-US" dirty="0"/>
+              <a:t>`--use-names`: print scientific names</a:t>
+            </a:r>
+          </a:p>
+          <a:p>
+            <a:r>
+              <a:rPr lang="en-US" dirty="0"/>
+              <a:t>`--</a:t>
+            </a:r>
+            <a:r>
+              <a:rPr lang="en-US" dirty="0" err="1"/>
+              <a:t>db</a:t>
+            </a:r>
+            <a:r>
+              <a:rPr lang="en-US" dirty="0"/>
+              <a:t>`: Database reference file path</a:t>
+            </a:r>
+          </a:p>
+          <a:p>
+            <a:r>
+              <a:rPr lang="en-US" dirty="0"/>
+              <a:t>`--</a:t>
+            </a:r>
+            <a:r>
+              <a:rPr lang="en-US" dirty="0" err="1"/>
+              <a:t>fastq</a:t>
+            </a:r>
+            <a:r>
+              <a:rPr lang="en-US" dirty="0"/>
+              <a:t>-input`[deprecated] : We are using </a:t>
+            </a:r>
+            <a:r>
+              <a:rPr lang="en-US" dirty="0" err="1"/>
+              <a:t>fastq</a:t>
+            </a:r>
+            <a:r>
+              <a:rPr lang="en-US" dirty="0"/>
+              <a:t> formatted files</a:t>
+            </a:r>
+          </a:p>
+          <a:p>
+            <a:r>
+              <a:rPr lang="en-US" dirty="0"/>
+              <a:t>`--paired`: We are dealing with paired end data</a:t>
+            </a:r>
+          </a:p>
+          <a:p>
+            <a:r>
+              <a:rPr lang="en-US" dirty="0"/>
+              <a:t>`--report FILE`: This provides us with a sample-wide report</a:t>
+            </a:r>
+          </a:p>
+        </p:txBody>
+      </p:sp>
+    </p:spTree>
+    <p:extLst>
+      <p:ext uri="{BB962C8B-B14F-4D97-AF65-F5344CB8AC3E}">
+        <p14:creationId xmlns:p14="http://schemas.microsoft.com/office/powerpoint/2010/main" val="939470865"/>
+      </p:ext>
+    </p:extLst>
+  </p:cSld>
+  <p:clrMapOvr>
+    <a:masterClrMapping/>
+  </p:clrMapOvr>
+</p:sld>
+</file>
+
+<file path=ppt/slides/slide13.xml><?xml version="1.0" encoding="utf-8"?>
+<p:sld xmlns:a="http://schemas.openxmlformats.org/drawingml/2006/main" xmlns:r="http://schemas.openxmlformats.org/officeDocument/2006/relationships" xmlns:p="http://schemas.openxmlformats.org/presentationml/2006/main">
+  <p:cSld>
+    <p:spTree>
+      <p:nvGrpSpPr>
+        <p:cNvPr id="1" name=""/>
+        <p:cNvGrpSpPr/>
+        <p:nvPr/>
+      </p:nvGrpSpPr>
+      <p:grpSpPr>
+        <a:xfrm>
+          <a:off x="0" y="0"/>
+          <a:ext cx="0" cy="0"/>
+          <a:chOff x="0" y="0"/>
+          <a:chExt cx="0" cy="0"/>
+        </a:xfrm>
+      </p:grpSpPr>
+      <p:sp>
+        <p:nvSpPr>
+          <p:cNvPr id="2" name="Title 1">
+            <a:extLst>
+              <a:ext uri="{FF2B5EF4-FFF2-40B4-BE49-F238E27FC236}">
+                <a16:creationId xmlns:a16="http://schemas.microsoft.com/office/drawing/2014/main" id="{DE2959CB-68BA-4179-9DA9-E4F7A0C0ADDC}"/>
+              </a:ext>
+            </a:extLst>
+          </p:cNvPr>
+          <p:cNvSpPr>
+            <a:spLocks noGrp="1"/>
+          </p:cNvSpPr>
+          <p:nvPr>
+            <p:ph type="title"/>
+          </p:nvPr>
+        </p:nvSpPr>
+        <p:spPr/>
+        <p:txBody>
+          <a:bodyPr/>
+          <a:lstStyle/>
+          <a:p>
+            <a:r>
+              <a:rPr lang="en-US" dirty="0"/>
+              <a:t>Kraken2 command, I/O, Runtime</a:t>
+            </a:r>
+          </a:p>
+        </p:txBody>
+      </p:sp>
+      <p:pic>
+        <p:nvPicPr>
+          <p:cNvPr id="7" name="Content Placeholder 6">
+            <a:extLst>
+              <a:ext uri="{FF2B5EF4-FFF2-40B4-BE49-F238E27FC236}">
+                <a16:creationId xmlns:a16="http://schemas.microsoft.com/office/drawing/2014/main" id="{27C94426-3A2A-4547-BB76-690A49303B5D}"/>
+              </a:ext>
+            </a:extLst>
+          </p:cNvPr>
+          <p:cNvPicPr>
+            <a:picLocks noGrp="1" noChangeAspect="1"/>
+          </p:cNvPicPr>
+          <p:nvPr>
+            <p:ph idx="1"/>
+          </p:nvPr>
+        </p:nvPicPr>
+        <p:blipFill>
+          <a:blip r:embed="rId2"/>
+          <a:stretch>
+            <a:fillRect/>
+          </a:stretch>
+        </p:blipFill>
+        <p:spPr>
+          <a:xfrm>
+            <a:off x="581192" y="2071541"/>
+            <a:ext cx="11029950" cy="228363"/>
+          </a:xfrm>
+        </p:spPr>
+      </p:pic>
+      <p:pic>
+        <p:nvPicPr>
+          <p:cNvPr id="5" name="Picture 4">
+            <a:extLst>
+              <a:ext uri="{FF2B5EF4-FFF2-40B4-BE49-F238E27FC236}">
+                <a16:creationId xmlns:a16="http://schemas.microsoft.com/office/drawing/2014/main" id="{60C632E3-D40C-4474-9D68-6CC40283DCAF}"/>
+              </a:ext>
+            </a:extLst>
+          </p:cNvPr>
+          <p:cNvPicPr>
+            <a:picLocks noChangeAspect="1"/>
+          </p:cNvPicPr>
+          <p:nvPr/>
+        </p:nvPicPr>
+        <p:blipFill>
+          <a:blip r:embed="rId3"/>
+          <a:stretch>
+            <a:fillRect/>
+          </a:stretch>
+        </p:blipFill>
+        <p:spPr>
+          <a:xfrm>
+            <a:off x="6096000" y="4499541"/>
+            <a:ext cx="5239481" cy="428685"/>
+          </a:xfrm>
+          <a:prstGeom prst="rect">
+            <a:avLst/>
+          </a:prstGeom>
+        </p:spPr>
+      </p:pic>
+      <p:sp>
+        <p:nvSpPr>
+          <p:cNvPr id="8" name="TextBox 7">
+            <a:extLst>
+              <a:ext uri="{FF2B5EF4-FFF2-40B4-BE49-F238E27FC236}">
+                <a16:creationId xmlns:a16="http://schemas.microsoft.com/office/drawing/2014/main" id="{7B89FE17-0438-4C23-B18D-C756AA3ADEF0}"/>
+              </a:ext>
+            </a:extLst>
+          </p:cNvPr>
+          <p:cNvSpPr txBox="1"/>
+          <p:nvPr/>
+        </p:nvSpPr>
+        <p:spPr>
+          <a:xfrm>
+            <a:off x="581192" y="2480569"/>
+            <a:ext cx="11029615" cy="646331"/>
+          </a:xfrm>
+          <a:prstGeom prst="rect">
+            <a:avLst/>
+          </a:prstGeom>
+          <a:noFill/>
+        </p:spPr>
+        <p:txBody>
+          <a:bodyPr wrap="square" rtlCol="0">
+            <a:spAutoFit/>
+          </a:bodyPr>
+          <a:lstStyle/>
+          <a:p>
+            <a:pPr marL="285750" indent="-285750">
+              <a:buFont typeface="Arial" panose="020B0604020202020204" pitchFamily="34" charset="0"/>
+              <a:buChar char="•"/>
+            </a:pPr>
+            <a:r>
+              <a:rPr lang="en-US" dirty="0"/>
+              <a:t>Input files: /ifs/groups/eces450650Grp/data/mappings/evol1.sorted.unmapped.R1.fastq</a:t>
+            </a:r>
+          </a:p>
+          <a:p>
+            <a:pPr lvl="3"/>
+            <a:r>
+              <a:rPr lang="en-US" dirty="0"/>
+              <a:t>/ifs/groups/eces450650Grp/data/mappings/evol1.sorted.unmapped.R1.fastq</a:t>
+            </a:r>
+          </a:p>
+        </p:txBody>
+      </p:sp>
+      <p:sp>
+        <p:nvSpPr>
+          <p:cNvPr id="9" name="TextBox 8">
+            <a:extLst>
+              <a:ext uri="{FF2B5EF4-FFF2-40B4-BE49-F238E27FC236}">
+                <a16:creationId xmlns:a16="http://schemas.microsoft.com/office/drawing/2014/main" id="{A7A9F615-D356-4AA9-81AF-1D5C2B98BA59}"/>
+              </a:ext>
+            </a:extLst>
+          </p:cNvPr>
+          <p:cNvSpPr txBox="1"/>
+          <p:nvPr/>
+        </p:nvSpPr>
+        <p:spPr>
+          <a:xfrm>
+            <a:off x="6096000" y="4130209"/>
+            <a:ext cx="4309533" cy="369332"/>
+          </a:xfrm>
+          <a:prstGeom prst="rect">
+            <a:avLst/>
+          </a:prstGeom>
+          <a:noFill/>
+        </p:spPr>
+        <p:txBody>
+          <a:bodyPr wrap="square" rtlCol="0">
+            <a:spAutoFit/>
+          </a:bodyPr>
+          <a:lstStyle/>
+          <a:p>
+            <a:r>
+              <a:rPr lang="en-US" dirty="0"/>
+              <a:t>Execution time:</a:t>
+            </a:r>
+          </a:p>
+        </p:txBody>
+      </p:sp>
+      <p:sp>
+        <p:nvSpPr>
+          <p:cNvPr id="10" name="TextBox 9">
+            <a:extLst>
+              <a:ext uri="{FF2B5EF4-FFF2-40B4-BE49-F238E27FC236}">
+                <a16:creationId xmlns:a16="http://schemas.microsoft.com/office/drawing/2014/main" id="{AAF2A44B-E2F4-4277-8FF7-EDE4BC8F1647}"/>
+              </a:ext>
+            </a:extLst>
+          </p:cNvPr>
+          <p:cNvSpPr txBox="1"/>
+          <p:nvPr/>
+        </p:nvSpPr>
+        <p:spPr>
+          <a:xfrm>
+            <a:off x="581191" y="3206879"/>
+            <a:ext cx="11029615" cy="923330"/>
+          </a:xfrm>
+          <a:prstGeom prst="rect">
+            <a:avLst/>
+          </a:prstGeom>
+          <a:noFill/>
+        </p:spPr>
+        <p:txBody>
+          <a:bodyPr wrap="square" rtlCol="0">
+            <a:spAutoFit/>
+          </a:bodyPr>
+          <a:lstStyle/>
+          <a:p>
+            <a:pPr marL="285750" indent="-285750">
+              <a:buFont typeface="Arial" panose="020B0604020202020204" pitchFamily="34" charset="0"/>
+              <a:buChar char="•"/>
+            </a:pPr>
+            <a:r>
+              <a:rPr lang="en-US" dirty="0"/>
+              <a:t>Output files: ./ECES450650_SP21/Tutorial8/evol1.kraken </a:t>
+            </a:r>
+            <a:r>
+              <a:rPr lang="en-US" dirty="0">
+                <a:sym typeface="Wingdings" panose="05000000000000000000" pitchFamily="2" charset="2"/>
+              </a:rPr>
+              <a:t> classifications</a:t>
+            </a:r>
+          </a:p>
+          <a:p>
+            <a:pPr lvl="3"/>
+            <a:r>
+              <a:rPr lang="en-US" dirty="0"/>
+              <a:t>   ./ECES450650_SP21/Tutorial8/report </a:t>
+            </a:r>
+            <a:r>
+              <a:rPr lang="en-US" dirty="0">
+                <a:sym typeface="Wingdings" panose="05000000000000000000" pitchFamily="2" charset="2"/>
+              </a:rPr>
+              <a:t> report</a:t>
+            </a:r>
+            <a:endParaRPr lang="en-US" dirty="0"/>
+          </a:p>
+          <a:p>
+            <a:pPr lvl="3"/>
+            <a:r>
+              <a:rPr lang="en-US" dirty="0"/>
+              <a:t>   </a:t>
+            </a:r>
+          </a:p>
+        </p:txBody>
+      </p:sp>
+    </p:spTree>
+    <p:extLst>
+      <p:ext uri="{BB962C8B-B14F-4D97-AF65-F5344CB8AC3E}">
+        <p14:creationId xmlns:p14="http://schemas.microsoft.com/office/powerpoint/2010/main" val="3977156575"/>
+      </p:ext>
+    </p:extLst>
+  </p:cSld>
+  <p:clrMapOvr>
+    <a:masterClrMapping/>
+  </p:clrMapOvr>
+</p:sld>
+</file>
+
+<file path=ppt/slides/slide14.xml><?xml version="1.0" encoding="utf-8"?>
+<p:sld xmlns:a="http://schemas.openxmlformats.org/drawingml/2006/main" xmlns:r="http://schemas.openxmlformats.org/officeDocument/2006/relationships" xmlns:p="http://schemas.openxmlformats.org/presentationml/2006/main">
+  <p:cSld>
+    <p:spTree>
+      <p:nvGrpSpPr>
+        <p:cNvPr id="1" name=""/>
+        <p:cNvGrpSpPr/>
+        <p:nvPr/>
+      </p:nvGrpSpPr>
+      <p:grpSpPr>
+        <a:xfrm>
+          <a:off x="0" y="0"/>
+          <a:ext cx="0" cy="0"/>
+          <a:chOff x="0" y="0"/>
+          <a:chExt cx="0" cy="0"/>
+        </a:xfrm>
+      </p:grpSpPr>
+      <p:sp>
+        <p:nvSpPr>
+          <p:cNvPr id="2" name="Title 1">
+            <a:extLst>
+              <a:ext uri="{FF2B5EF4-FFF2-40B4-BE49-F238E27FC236}">
+                <a16:creationId xmlns:a16="http://schemas.microsoft.com/office/drawing/2014/main" id="{2FBCEC52-0535-4B89-A6E7-E1B5AB4615BC}"/>
+              </a:ext>
+            </a:extLst>
+          </p:cNvPr>
+          <p:cNvSpPr>
+            <a:spLocks noGrp="1"/>
+          </p:cNvSpPr>
+          <p:nvPr>
+            <p:ph type="title"/>
+          </p:nvPr>
+        </p:nvSpPr>
+        <p:spPr/>
+        <p:txBody>
+          <a:bodyPr/>
+          <a:lstStyle/>
+          <a:p>
+            <a:r>
+              <a:rPr lang="en-US" dirty="0"/>
+              <a:t>RESULTS &amp; Understanding - Classifications</a:t>
+            </a:r>
+          </a:p>
+        </p:txBody>
+      </p:sp>
+      <p:pic>
+        <p:nvPicPr>
+          <p:cNvPr id="5" name="Content Placeholder 4">
+            <a:extLst>
+              <a:ext uri="{FF2B5EF4-FFF2-40B4-BE49-F238E27FC236}">
+                <a16:creationId xmlns:a16="http://schemas.microsoft.com/office/drawing/2014/main" id="{76BFEF14-7B8E-4233-8215-4D1ADB4BDCF8}"/>
+              </a:ext>
+            </a:extLst>
+          </p:cNvPr>
+          <p:cNvPicPr>
+            <a:picLocks noGrp="1" noChangeAspect="1"/>
+          </p:cNvPicPr>
+          <p:nvPr>
+            <p:ph idx="1"/>
+          </p:nvPr>
+        </p:nvPicPr>
+        <p:blipFill>
+          <a:blip r:embed="rId2"/>
+          <a:stretch>
+            <a:fillRect/>
+          </a:stretch>
+        </p:blipFill>
+        <p:spPr>
+          <a:xfrm>
+            <a:off x="7065967" y="1890876"/>
+            <a:ext cx="4253211" cy="4155361"/>
+          </a:xfrm>
+        </p:spPr>
+      </p:pic>
+      <p:sp>
+        <p:nvSpPr>
+          <p:cNvPr id="9" name="Rectangle 2">
+            <a:extLst>
+              <a:ext uri="{FF2B5EF4-FFF2-40B4-BE49-F238E27FC236}">
+                <a16:creationId xmlns:a16="http://schemas.microsoft.com/office/drawing/2014/main" id="{B4F6B443-1E39-481C-9DB6-E382A6CA4AD2}"/>
+              </a:ext>
+            </a:extLst>
+          </p:cNvPr>
+          <p:cNvSpPr>
+            <a:spLocks noChangeArrowheads="1"/>
+          </p:cNvSpPr>
+          <p:nvPr/>
+        </p:nvSpPr>
+        <p:spPr bwMode="auto">
+          <a:xfrm>
+            <a:off x="635880" y="1890876"/>
+            <a:ext cx="6375400" cy="3508653"/>
+          </a:xfrm>
+          <a:prstGeom prst="rect">
+            <a:avLst/>
+          </a:prstGeom>
+          <a:solidFill>
+            <a:srgbClr val="FCFCFC"/>
+          </a:solidFill>
+          <a:ln>
+            <a:noFill/>
+          </a:ln>
+          <a:effectLst/>
+          <a:extLst>
+            <a:ext uri="{91240B29-F687-4F45-9708-019B960494DF}">
+              <a14:hiddenLine xmlns:a14="http://schemas.microsoft.com/office/drawing/2010/main" w="9525">
+                <a:solidFill>
+                  <a:schemeClr val="tx1"/>
+                </a:solidFill>
+                <a:miter lim="800000"/>
+                <a:headEnd/>
+                <a:tailEnd/>
+              </a14:hiddenLine>
+            </a:ext>
+            <a:ext uri="{AF507438-7753-43E0-B8FC-AC1667EBCBE1}">
+              <a14:hiddenEffects xmlns:a14="http://schemas.microsoft.com/office/drawing/2010/main">
+                <a:effectLst>
+                  <a:outerShdw dist="35921" dir="2700000" algn="ctr" rotWithShape="0">
+                    <a:schemeClr val="bg2"/>
+                  </a:outerShdw>
+                </a:effectLst>
+              </a14:hiddenEffects>
+            </a:ext>
+          </a:extLst>
+        </p:spPr>
+        <p:txBody>
+          <a:bodyPr vert="horz" wrap="square" lIns="0" tIns="0" rIns="0" bIns="0" numCol="1" anchor="ctr" anchorCtr="0" compatLnSpc="1">
+            <a:prstTxWarp prst="textNoShape">
+              <a:avLst/>
+            </a:prstTxWarp>
+            <a:spAutoFit/>
+          </a:bodyPr>
+          <a:lstStyle/>
+          <a:p>
+            <a:pPr marL="0" marR="0" lvl="0" indent="0" algn="l" defTabSz="914400" rtl="0" eaLnBrk="0" fontAlgn="base" latinLnBrk="0" hangingPunct="0">
+              <a:lnSpc>
+                <a:spcPct val="100000"/>
+              </a:lnSpc>
+              <a:spcBef>
+                <a:spcPct val="0"/>
+              </a:spcBef>
+              <a:spcAft>
+                <a:spcPct val="0"/>
+              </a:spcAft>
+              <a:buClrTx/>
+              <a:buSzTx/>
+              <a:buFontTx/>
+              <a:buNone/>
+              <a:tabLst/>
+            </a:pPr>
+            <a:endParaRPr kumimoji="0" lang="en-US" altLang="en-US" sz="1800" b="0" i="0" u="none" strike="noStrike" cap="none" normalizeH="0" baseline="0" dirty="0">
+              <a:ln>
+                <a:noFill/>
+              </a:ln>
+              <a:solidFill>
+                <a:schemeClr val="tx1"/>
+              </a:solidFill>
+              <a:effectLst/>
+              <a:latin typeface="Arial" panose="020B0604020202020204" pitchFamily="34" charset="0"/>
+            </a:endParaRPr>
+          </a:p>
+          <a:p>
+            <a:pPr marL="0" marR="0" lvl="0" indent="0" algn="l" defTabSz="914400" rtl="0" eaLnBrk="0" fontAlgn="base" latinLnBrk="0" hangingPunct="0">
+              <a:lnSpc>
+                <a:spcPct val="100000"/>
+              </a:lnSpc>
+              <a:spcBef>
+                <a:spcPct val="0"/>
+              </a:spcBef>
+              <a:spcAft>
+                <a:spcPct val="0"/>
+              </a:spcAft>
+              <a:buClrTx/>
+              <a:buSzTx/>
+              <a:buFontTx/>
+              <a:buAutoNum type="arabicPeriod"/>
+              <a:tabLst/>
+            </a:pPr>
+            <a:r>
+              <a:rPr kumimoji="0" lang="en-US" altLang="en-US" sz="900" b="0" i="0" u="none" strike="noStrike" cap="none" normalizeH="0" baseline="0" dirty="0">
+                <a:ln>
+                  <a:noFill/>
+                </a:ln>
+                <a:solidFill>
+                  <a:srgbClr val="E74C3C"/>
+                </a:solidFill>
+                <a:effectLst/>
+                <a:latin typeface="SFMono-Regular"/>
+              </a:rPr>
+              <a:t>C/U</a:t>
+            </a:r>
+            <a:r>
+              <a:rPr kumimoji="0" lang="en-US" altLang="en-US" sz="1200" b="0" i="0" u="none" strike="noStrike" cap="none" normalizeH="0" baseline="0" dirty="0">
+                <a:ln>
+                  <a:noFill/>
+                </a:ln>
+                <a:solidFill>
+                  <a:srgbClr val="404040"/>
+                </a:solidFill>
+                <a:effectLst/>
+                <a:latin typeface="Lato"/>
+              </a:rPr>
+              <a:t>: one letter code indicating that the sequence was either classified or unclassified.</a:t>
+            </a:r>
+          </a:p>
+          <a:p>
+            <a:pPr marL="0" marR="0" lvl="0" indent="0" algn="l" defTabSz="914400" rtl="0" eaLnBrk="0" fontAlgn="base" latinLnBrk="0" hangingPunct="0">
+              <a:lnSpc>
+                <a:spcPct val="100000"/>
+              </a:lnSpc>
+              <a:spcBef>
+                <a:spcPct val="0"/>
+              </a:spcBef>
+              <a:spcAft>
+                <a:spcPct val="0"/>
+              </a:spcAft>
+              <a:buClrTx/>
+              <a:buSzTx/>
+              <a:tabLst/>
+            </a:pPr>
+            <a:endParaRPr kumimoji="0" lang="en-US" altLang="en-US" sz="1200" b="0" i="0" u="none" strike="noStrike" cap="none" normalizeH="0" baseline="0" dirty="0">
+              <a:ln>
+                <a:noFill/>
+              </a:ln>
+              <a:solidFill>
+                <a:srgbClr val="404040"/>
+              </a:solidFill>
+              <a:effectLst/>
+              <a:latin typeface="Lato"/>
+            </a:endParaRPr>
+          </a:p>
+          <a:p>
+            <a:pPr marL="0" marR="0" lvl="0" indent="0" algn="l" defTabSz="914400" rtl="0" eaLnBrk="0" fontAlgn="base" latinLnBrk="0" hangingPunct="0">
+              <a:lnSpc>
+                <a:spcPct val="100000"/>
+              </a:lnSpc>
+              <a:spcBef>
+                <a:spcPct val="0"/>
+              </a:spcBef>
+              <a:spcAft>
+                <a:spcPct val="0"/>
+              </a:spcAft>
+              <a:buClrTx/>
+              <a:buSzTx/>
+              <a:buFontTx/>
+              <a:buAutoNum type="arabicPeriod" startAt="2"/>
+              <a:tabLst/>
+            </a:pPr>
+            <a:r>
+              <a:rPr kumimoji="0" lang="en-US" altLang="en-US" sz="1200" b="0" i="0" u="none" strike="noStrike" cap="none" normalizeH="0" baseline="0" dirty="0">
+                <a:ln>
+                  <a:noFill/>
+                </a:ln>
+                <a:solidFill>
+                  <a:srgbClr val="404040"/>
+                </a:solidFill>
+                <a:effectLst/>
+                <a:latin typeface="Lato"/>
+              </a:rPr>
+              <a:t>The sequence ID, obtained from the FASTA/FASTQ header.</a:t>
+            </a:r>
+          </a:p>
+          <a:p>
+            <a:pPr marL="0" marR="0" lvl="0" indent="0" algn="l" defTabSz="914400" rtl="0" eaLnBrk="0" fontAlgn="base" latinLnBrk="0" hangingPunct="0">
+              <a:lnSpc>
+                <a:spcPct val="100000"/>
+              </a:lnSpc>
+              <a:spcBef>
+                <a:spcPct val="0"/>
+              </a:spcBef>
+              <a:spcAft>
+                <a:spcPct val="0"/>
+              </a:spcAft>
+              <a:buClrTx/>
+              <a:buSzTx/>
+              <a:tabLst/>
+            </a:pPr>
+            <a:endParaRPr kumimoji="0" lang="en-US" altLang="en-US" sz="1200" b="0" i="0" u="none" strike="noStrike" cap="none" normalizeH="0" baseline="0" dirty="0">
+              <a:ln>
+                <a:noFill/>
+              </a:ln>
+              <a:solidFill>
+                <a:srgbClr val="404040"/>
+              </a:solidFill>
+              <a:effectLst/>
+              <a:latin typeface="Lato"/>
+            </a:endParaRPr>
+          </a:p>
+          <a:p>
+            <a:pPr algn="l"/>
+            <a:r>
+              <a:rPr lang="en-US" sz="1200" b="0" i="0" dirty="0">
+                <a:solidFill>
+                  <a:srgbClr val="404040"/>
+                </a:solidFill>
+                <a:effectLst/>
+                <a:latin typeface="Lato"/>
+              </a:rPr>
+              <a:t>3.The taxonomy ID </a:t>
+            </a:r>
+            <a:r>
+              <a:rPr lang="en-US" sz="1200" b="0" i="0" u="none" strike="noStrike" dirty="0">
+                <a:solidFill>
+                  <a:srgbClr val="2980B9"/>
+                </a:solidFill>
+                <a:effectLst/>
+                <a:latin typeface="Lato"/>
+                <a:hlinkClick r:id="rId3"/>
+              </a:rPr>
+              <a:t>Kraken2</a:t>
+            </a:r>
+            <a:r>
+              <a:rPr lang="en-US" sz="1200" b="0" i="0" dirty="0">
+                <a:solidFill>
+                  <a:srgbClr val="404040"/>
+                </a:solidFill>
+                <a:effectLst/>
+                <a:latin typeface="Lato"/>
+              </a:rPr>
+              <a:t> used to label the sequence; this is </a:t>
+            </a:r>
+            <a:r>
+              <a:rPr lang="en-US" sz="1200" b="1" i="0" dirty="0">
+                <a:solidFill>
+                  <a:srgbClr val="404040"/>
+                </a:solidFill>
+                <a:effectLst/>
+                <a:latin typeface="Lato"/>
+              </a:rPr>
+              <a:t>0</a:t>
+            </a:r>
+            <a:r>
+              <a:rPr lang="en-US" sz="1200" b="0" i="0" dirty="0">
+                <a:solidFill>
+                  <a:srgbClr val="404040"/>
+                </a:solidFill>
+                <a:effectLst/>
+                <a:latin typeface="Lato"/>
+              </a:rPr>
+              <a:t> if the sequence is unclassified and otherwise should be the </a:t>
+            </a:r>
+            <a:r>
+              <a:rPr lang="en-US" sz="1200" b="0" i="0" u="none" strike="noStrike" dirty="0">
+                <a:solidFill>
+                  <a:srgbClr val="2980B9"/>
+                </a:solidFill>
+                <a:effectLst/>
+                <a:latin typeface="Lato"/>
+                <a:hlinkClick r:id="rId4"/>
+              </a:rPr>
+              <a:t>NCBI Taxonomy</a:t>
+            </a:r>
+            <a:r>
+              <a:rPr lang="en-US" sz="1200" b="0" i="0" dirty="0">
+                <a:solidFill>
+                  <a:srgbClr val="404040"/>
+                </a:solidFill>
+                <a:effectLst/>
+                <a:latin typeface="Lato"/>
+              </a:rPr>
+              <a:t> identifier.</a:t>
+            </a:r>
+          </a:p>
+          <a:p>
+            <a:pPr algn="l"/>
+            <a:endParaRPr lang="en-US" altLang="en-US" sz="1200" dirty="0">
+              <a:solidFill>
+                <a:srgbClr val="404040"/>
+              </a:solidFill>
+              <a:latin typeface="Lato"/>
+            </a:endParaRPr>
+          </a:p>
+          <a:p>
+            <a:pPr algn="l"/>
+            <a:r>
+              <a:rPr lang="en-US" sz="1200" b="0" i="0" dirty="0">
+                <a:solidFill>
+                  <a:srgbClr val="404040"/>
+                </a:solidFill>
+                <a:effectLst/>
+                <a:latin typeface="Lato"/>
+              </a:rPr>
+              <a:t>4.The length of the sequence in bp.</a:t>
+            </a:r>
+          </a:p>
+          <a:p>
+            <a:pPr algn="l"/>
+            <a:endParaRPr lang="en-US" sz="1200" b="0" i="0" dirty="0">
+              <a:solidFill>
+                <a:srgbClr val="404040"/>
+              </a:solidFill>
+              <a:effectLst/>
+              <a:latin typeface="Lato"/>
+            </a:endParaRPr>
+          </a:p>
+          <a:p>
+            <a:pPr marL="0" marR="0" lvl="0" indent="0" algn="l" defTabSz="914400" rtl="0" eaLnBrk="0" fontAlgn="base" latinLnBrk="0" hangingPunct="0">
+              <a:lnSpc>
+                <a:spcPct val="100000"/>
+              </a:lnSpc>
+              <a:spcBef>
+                <a:spcPct val="0"/>
+              </a:spcBef>
+              <a:spcAft>
+                <a:spcPct val="0"/>
+              </a:spcAft>
+              <a:buClrTx/>
+              <a:buSzTx/>
+              <a:buFontTx/>
+              <a:buAutoNum type="arabicPeriod" startAt="5"/>
+              <a:tabLst/>
+            </a:pPr>
+            <a:r>
+              <a:rPr kumimoji="0" lang="en-US" altLang="en-US" sz="1200" b="0" i="0" u="none" strike="noStrike" cap="none" normalizeH="0" baseline="0" dirty="0">
+                <a:ln>
+                  <a:noFill/>
+                </a:ln>
+                <a:solidFill>
+                  <a:srgbClr val="404040"/>
+                </a:solidFill>
+                <a:effectLst/>
+                <a:latin typeface="Lato"/>
+              </a:rPr>
+              <a:t>A space-delimited list indicating the lowest common ancestor (in the taxonomic tree) mapping of each k-</a:t>
+            </a:r>
+            <a:r>
+              <a:rPr kumimoji="0" lang="en-US" altLang="en-US" sz="1200" b="0" i="0" u="none" strike="noStrike" cap="none" normalizeH="0" baseline="0" dirty="0" err="1">
+                <a:ln>
+                  <a:noFill/>
+                </a:ln>
+                <a:solidFill>
+                  <a:srgbClr val="404040"/>
+                </a:solidFill>
+                <a:effectLst/>
+                <a:latin typeface="Lato"/>
+              </a:rPr>
+              <a:t>mer</a:t>
+            </a:r>
+            <a:r>
+              <a:rPr kumimoji="0" lang="en-US" altLang="en-US" sz="1200" b="0" i="0" u="none" strike="noStrike" cap="none" normalizeH="0" baseline="0" dirty="0">
+                <a:ln>
+                  <a:noFill/>
+                </a:ln>
+                <a:solidFill>
+                  <a:srgbClr val="404040"/>
+                </a:solidFill>
+                <a:effectLst/>
+                <a:latin typeface="Lato"/>
+              </a:rPr>
+              <a:t> in the sequence. For example, </a:t>
+            </a:r>
+            <a:r>
+              <a:rPr kumimoji="0" lang="en-US" altLang="en-US" sz="900" b="0" i="0" u="none" strike="noStrike" cap="none" normalizeH="0" baseline="0" dirty="0">
+                <a:ln>
+                  <a:noFill/>
+                </a:ln>
+                <a:solidFill>
+                  <a:srgbClr val="E74C3C"/>
+                </a:solidFill>
+                <a:effectLst/>
+                <a:latin typeface="SFMono-Regular"/>
+              </a:rPr>
+              <a:t>562:13 561:4 A:31 0:1 562:3</a:t>
+            </a:r>
+            <a:r>
+              <a:rPr kumimoji="0" lang="en-US" altLang="en-US" sz="1200" b="0" i="0" u="none" strike="noStrike" cap="none" normalizeH="0" baseline="0" dirty="0">
+                <a:ln>
+                  <a:noFill/>
+                </a:ln>
+                <a:solidFill>
+                  <a:srgbClr val="404040"/>
+                </a:solidFill>
+                <a:effectLst/>
+                <a:latin typeface="Lato"/>
+              </a:rPr>
+              <a:t> would indicate that:</a:t>
+            </a:r>
+          </a:p>
+          <a:p>
+            <a:pPr marL="457200" marR="0" lvl="1" indent="0" algn="l" defTabSz="914400" rtl="0" eaLnBrk="0" fontAlgn="base" latinLnBrk="0" hangingPunct="0">
+              <a:lnSpc>
+                <a:spcPct val="100000"/>
+              </a:lnSpc>
+              <a:spcBef>
+                <a:spcPct val="0"/>
+              </a:spcBef>
+              <a:spcAft>
+                <a:spcPct val="0"/>
+              </a:spcAft>
+              <a:buClrTx/>
+              <a:buSzTx/>
+              <a:buFontTx/>
+              <a:buChar char="•"/>
+              <a:tabLst/>
+            </a:pPr>
+            <a:r>
+              <a:rPr kumimoji="0" lang="en-US" altLang="en-US" sz="1200" b="0" i="0" u="none" strike="noStrike" cap="none" normalizeH="0" baseline="0" dirty="0">
+                <a:ln>
+                  <a:noFill/>
+                </a:ln>
+                <a:solidFill>
+                  <a:srgbClr val="404040"/>
+                </a:solidFill>
+                <a:effectLst/>
+                <a:latin typeface="Lato"/>
+              </a:rPr>
+              <a:t>the first 13 k-</a:t>
+            </a:r>
+            <a:r>
+              <a:rPr kumimoji="0" lang="en-US" altLang="en-US" sz="1200" b="0" i="0" u="none" strike="noStrike" cap="none" normalizeH="0" baseline="0" dirty="0" err="1">
+                <a:ln>
+                  <a:noFill/>
+                </a:ln>
+                <a:solidFill>
+                  <a:srgbClr val="404040"/>
+                </a:solidFill>
+                <a:effectLst/>
+                <a:latin typeface="Lato"/>
+              </a:rPr>
+              <a:t>mers</a:t>
+            </a:r>
+            <a:r>
+              <a:rPr kumimoji="0" lang="en-US" altLang="en-US" sz="1200" b="0" i="0" u="none" strike="noStrike" cap="none" normalizeH="0" baseline="0" dirty="0">
+                <a:ln>
+                  <a:noFill/>
+                </a:ln>
+                <a:solidFill>
+                  <a:srgbClr val="404040"/>
+                </a:solidFill>
+                <a:effectLst/>
+                <a:latin typeface="Lato"/>
+              </a:rPr>
+              <a:t> mapped to taxonomy ID #562</a:t>
+            </a:r>
+          </a:p>
+          <a:p>
+            <a:pPr marL="457200" marR="0" lvl="1" indent="0" algn="l" defTabSz="914400" rtl="0" eaLnBrk="0" fontAlgn="base" latinLnBrk="0" hangingPunct="0">
+              <a:lnSpc>
+                <a:spcPct val="100000"/>
+              </a:lnSpc>
+              <a:spcBef>
+                <a:spcPct val="0"/>
+              </a:spcBef>
+              <a:spcAft>
+                <a:spcPct val="0"/>
+              </a:spcAft>
+              <a:buClrTx/>
+              <a:buSzTx/>
+              <a:buFontTx/>
+              <a:buChar char="•"/>
+              <a:tabLst/>
+            </a:pPr>
+            <a:r>
+              <a:rPr kumimoji="0" lang="en-US" altLang="en-US" sz="1200" b="0" i="0" u="none" strike="noStrike" cap="none" normalizeH="0" baseline="0" dirty="0">
+                <a:ln>
+                  <a:noFill/>
+                </a:ln>
+                <a:solidFill>
+                  <a:srgbClr val="404040"/>
+                </a:solidFill>
+                <a:effectLst/>
+                <a:latin typeface="Lato"/>
+              </a:rPr>
+              <a:t>the next 4 k-</a:t>
+            </a:r>
+            <a:r>
+              <a:rPr kumimoji="0" lang="en-US" altLang="en-US" sz="1200" b="0" i="0" u="none" strike="noStrike" cap="none" normalizeH="0" baseline="0" dirty="0" err="1">
+                <a:ln>
+                  <a:noFill/>
+                </a:ln>
+                <a:solidFill>
+                  <a:srgbClr val="404040"/>
+                </a:solidFill>
+                <a:effectLst/>
+                <a:latin typeface="Lato"/>
+              </a:rPr>
+              <a:t>mers</a:t>
+            </a:r>
+            <a:r>
+              <a:rPr kumimoji="0" lang="en-US" altLang="en-US" sz="1200" b="0" i="0" u="none" strike="noStrike" cap="none" normalizeH="0" baseline="0" dirty="0">
+                <a:ln>
+                  <a:noFill/>
+                </a:ln>
+                <a:solidFill>
+                  <a:srgbClr val="404040"/>
+                </a:solidFill>
+                <a:effectLst/>
+                <a:latin typeface="Lato"/>
+              </a:rPr>
+              <a:t> mapped to taxonomy ID #561</a:t>
+            </a:r>
+          </a:p>
+          <a:p>
+            <a:pPr marL="457200" marR="0" lvl="1" indent="0" algn="l" defTabSz="914400" rtl="0" eaLnBrk="0" fontAlgn="base" latinLnBrk="0" hangingPunct="0">
+              <a:lnSpc>
+                <a:spcPct val="100000"/>
+              </a:lnSpc>
+              <a:spcBef>
+                <a:spcPct val="0"/>
+              </a:spcBef>
+              <a:spcAft>
+                <a:spcPct val="0"/>
+              </a:spcAft>
+              <a:buClrTx/>
+              <a:buSzTx/>
+              <a:buFontTx/>
+              <a:buChar char="•"/>
+              <a:tabLst/>
+            </a:pPr>
+            <a:r>
+              <a:rPr kumimoji="0" lang="en-US" altLang="en-US" sz="1200" b="0" i="0" u="none" strike="noStrike" cap="none" normalizeH="0" baseline="0" dirty="0">
+                <a:ln>
+                  <a:noFill/>
+                </a:ln>
+                <a:solidFill>
+                  <a:srgbClr val="404040"/>
+                </a:solidFill>
+                <a:effectLst/>
+                <a:latin typeface="Lato"/>
+              </a:rPr>
+              <a:t>the next 31 k-</a:t>
+            </a:r>
+            <a:r>
+              <a:rPr kumimoji="0" lang="en-US" altLang="en-US" sz="1200" b="0" i="0" u="none" strike="noStrike" cap="none" normalizeH="0" baseline="0" dirty="0" err="1">
+                <a:ln>
+                  <a:noFill/>
+                </a:ln>
+                <a:solidFill>
+                  <a:srgbClr val="404040"/>
+                </a:solidFill>
+                <a:effectLst/>
+                <a:latin typeface="Lato"/>
+              </a:rPr>
+              <a:t>mers</a:t>
+            </a:r>
+            <a:r>
+              <a:rPr kumimoji="0" lang="en-US" altLang="en-US" sz="1200" b="0" i="0" u="none" strike="noStrike" cap="none" normalizeH="0" baseline="0" dirty="0">
+                <a:ln>
+                  <a:noFill/>
+                </a:ln>
+                <a:solidFill>
+                  <a:srgbClr val="404040"/>
+                </a:solidFill>
+                <a:effectLst/>
+                <a:latin typeface="Lato"/>
+              </a:rPr>
+              <a:t> contained an ambiguous nucleotide</a:t>
+            </a:r>
+          </a:p>
+          <a:p>
+            <a:pPr marL="457200" marR="0" lvl="1" indent="0" algn="l" defTabSz="914400" rtl="0" eaLnBrk="0" fontAlgn="base" latinLnBrk="0" hangingPunct="0">
+              <a:lnSpc>
+                <a:spcPct val="100000"/>
+              </a:lnSpc>
+              <a:spcBef>
+                <a:spcPct val="0"/>
+              </a:spcBef>
+              <a:spcAft>
+                <a:spcPct val="0"/>
+              </a:spcAft>
+              <a:buClrTx/>
+              <a:buSzTx/>
+              <a:buFontTx/>
+              <a:buChar char="•"/>
+              <a:tabLst/>
+            </a:pPr>
+            <a:r>
+              <a:rPr kumimoji="0" lang="en-US" altLang="en-US" sz="1200" b="0" i="0" u="none" strike="noStrike" cap="none" normalizeH="0" baseline="0" dirty="0">
+                <a:ln>
+                  <a:noFill/>
+                </a:ln>
+                <a:solidFill>
+                  <a:srgbClr val="404040"/>
+                </a:solidFill>
+                <a:effectLst/>
+                <a:latin typeface="Lato"/>
+              </a:rPr>
+              <a:t>the next k-</a:t>
+            </a:r>
+            <a:r>
+              <a:rPr kumimoji="0" lang="en-US" altLang="en-US" sz="1200" b="0" i="0" u="none" strike="noStrike" cap="none" normalizeH="0" baseline="0" dirty="0" err="1">
+                <a:ln>
+                  <a:noFill/>
+                </a:ln>
+                <a:solidFill>
+                  <a:srgbClr val="404040"/>
+                </a:solidFill>
+                <a:effectLst/>
+                <a:latin typeface="Lato"/>
+              </a:rPr>
+              <a:t>mer</a:t>
+            </a:r>
+            <a:r>
+              <a:rPr kumimoji="0" lang="en-US" altLang="en-US" sz="1200" b="0" i="0" u="none" strike="noStrike" cap="none" normalizeH="0" baseline="0" dirty="0">
+                <a:ln>
+                  <a:noFill/>
+                </a:ln>
+                <a:solidFill>
+                  <a:srgbClr val="404040"/>
+                </a:solidFill>
+                <a:effectLst/>
+                <a:latin typeface="Lato"/>
+              </a:rPr>
+              <a:t> was not in the database</a:t>
+            </a:r>
+          </a:p>
+          <a:p>
+            <a:pPr marL="457200" marR="0" lvl="1" indent="0" algn="l" defTabSz="914400" rtl="0" eaLnBrk="0" fontAlgn="base" latinLnBrk="0" hangingPunct="0">
+              <a:lnSpc>
+                <a:spcPct val="100000"/>
+              </a:lnSpc>
+              <a:spcBef>
+                <a:spcPct val="0"/>
+              </a:spcBef>
+              <a:spcAft>
+                <a:spcPct val="0"/>
+              </a:spcAft>
+              <a:buClrTx/>
+              <a:buSzTx/>
+              <a:buFontTx/>
+              <a:buChar char="•"/>
+              <a:tabLst/>
+            </a:pPr>
+            <a:r>
+              <a:rPr kumimoji="0" lang="en-US" altLang="en-US" sz="1200" b="0" i="0" u="none" strike="noStrike" cap="none" normalizeH="0" baseline="0" dirty="0">
+                <a:ln>
+                  <a:noFill/>
+                </a:ln>
+                <a:solidFill>
+                  <a:srgbClr val="404040"/>
+                </a:solidFill>
+                <a:effectLst/>
+                <a:latin typeface="Lato"/>
+              </a:rPr>
+              <a:t>the last 3 k-</a:t>
+            </a:r>
+            <a:r>
+              <a:rPr kumimoji="0" lang="en-US" altLang="en-US" sz="1200" b="0" i="0" u="none" strike="noStrike" cap="none" normalizeH="0" baseline="0" dirty="0" err="1">
+                <a:ln>
+                  <a:noFill/>
+                </a:ln>
+                <a:solidFill>
+                  <a:srgbClr val="404040"/>
+                </a:solidFill>
+                <a:effectLst/>
+                <a:latin typeface="Lato"/>
+              </a:rPr>
+              <a:t>mers</a:t>
+            </a:r>
+            <a:r>
+              <a:rPr kumimoji="0" lang="en-US" altLang="en-US" sz="1200" b="0" i="0" u="none" strike="noStrike" cap="none" normalizeH="0" baseline="0" dirty="0">
+                <a:ln>
+                  <a:noFill/>
+                </a:ln>
+                <a:solidFill>
+                  <a:srgbClr val="404040"/>
+                </a:solidFill>
+                <a:effectLst/>
+                <a:latin typeface="Lato"/>
+              </a:rPr>
+              <a:t> mapped to taxonomy ID #562</a:t>
+            </a:r>
+          </a:p>
+          <a:p>
+            <a:pPr marL="0" marR="0" lvl="0" indent="0" algn="l" defTabSz="914400" rtl="0" eaLnBrk="0" fontAlgn="base" latinLnBrk="0" hangingPunct="0">
+              <a:lnSpc>
+                <a:spcPct val="100000"/>
+              </a:lnSpc>
+              <a:spcBef>
+                <a:spcPct val="0"/>
+              </a:spcBef>
+              <a:spcAft>
+                <a:spcPct val="0"/>
+              </a:spcAft>
+              <a:buClrTx/>
+              <a:buSzTx/>
+              <a:buFontTx/>
+              <a:buNone/>
+              <a:tabLst/>
+            </a:pPr>
+            <a:endParaRPr kumimoji="0" lang="en-US" altLang="en-US" sz="1800" b="0" i="0" u="none" strike="noStrike" cap="none" normalizeH="0" baseline="0" dirty="0">
+              <a:ln>
+                <a:noFill/>
+              </a:ln>
+              <a:solidFill>
+                <a:schemeClr val="tx1"/>
+              </a:solidFill>
+              <a:effectLst/>
+              <a:latin typeface="Arial" panose="020B0604020202020204" pitchFamily="34" charset="0"/>
+            </a:endParaRPr>
+          </a:p>
+        </p:txBody>
+      </p:sp>
+      <p:sp>
+        <p:nvSpPr>
+          <p:cNvPr id="10" name="TextBox 9">
+            <a:extLst>
+              <a:ext uri="{FF2B5EF4-FFF2-40B4-BE49-F238E27FC236}">
+                <a16:creationId xmlns:a16="http://schemas.microsoft.com/office/drawing/2014/main" id="{D8478575-3269-4D81-AE8F-C42E298E95C1}"/>
+              </a:ext>
+            </a:extLst>
+          </p:cNvPr>
+          <p:cNvSpPr txBox="1"/>
+          <p:nvPr/>
+        </p:nvSpPr>
+        <p:spPr>
+          <a:xfrm>
+            <a:off x="581192" y="5399529"/>
+            <a:ext cx="5404741" cy="923330"/>
+          </a:xfrm>
+          <a:prstGeom prst="rect">
+            <a:avLst/>
+          </a:prstGeom>
+          <a:noFill/>
+        </p:spPr>
+        <p:txBody>
+          <a:bodyPr wrap="square" rtlCol="0">
+            <a:spAutoFit/>
+          </a:bodyPr>
+          <a:lstStyle/>
+          <a:p>
+            <a:r>
+              <a:rPr lang="en-US" dirty="0"/>
+              <a:t>Source: https://genomics.readthedocs.io/en/latest/ngs-taxonomic-investigation/index.html#wood2014</a:t>
+            </a:r>
+          </a:p>
+        </p:txBody>
+      </p:sp>
+    </p:spTree>
+    <p:extLst>
+      <p:ext uri="{BB962C8B-B14F-4D97-AF65-F5344CB8AC3E}">
+        <p14:creationId xmlns:p14="http://schemas.microsoft.com/office/powerpoint/2010/main" val="3910710271"/>
+      </p:ext>
+    </p:extLst>
+  </p:cSld>
+  <p:clrMapOvr>
+    <a:masterClrMapping/>
+  </p:clrMapOvr>
+</p:sld>
+</file>
+
+<file path=ppt/slides/slide15.xml><?xml version="1.0" encoding="utf-8"?>
+<p:sld xmlns:a="http://schemas.openxmlformats.org/drawingml/2006/main" xmlns:r="http://schemas.openxmlformats.org/officeDocument/2006/relationships" xmlns:p="http://schemas.openxmlformats.org/presentationml/2006/main">
+  <p:cSld>
+    <p:spTree>
+      <p:nvGrpSpPr>
+        <p:cNvPr id="1" name=""/>
+        <p:cNvGrpSpPr/>
+        <p:nvPr/>
+      </p:nvGrpSpPr>
+      <p:grpSpPr>
+        <a:xfrm>
+          <a:off x="0" y="0"/>
+          <a:ext cx="0" cy="0"/>
+          <a:chOff x="0" y="0"/>
+          <a:chExt cx="0" cy="0"/>
+        </a:xfrm>
+      </p:grpSpPr>
+      <p:sp>
+        <p:nvSpPr>
+          <p:cNvPr id="2" name="Title 1">
+            <a:extLst>
+              <a:ext uri="{FF2B5EF4-FFF2-40B4-BE49-F238E27FC236}">
+                <a16:creationId xmlns:a16="http://schemas.microsoft.com/office/drawing/2014/main" id="{2FBCEC52-0535-4B89-A6E7-E1B5AB4615BC}"/>
+              </a:ext>
+            </a:extLst>
+          </p:cNvPr>
+          <p:cNvSpPr>
+            <a:spLocks noGrp="1"/>
+          </p:cNvSpPr>
+          <p:nvPr>
+            <p:ph type="title"/>
+          </p:nvPr>
+        </p:nvSpPr>
+        <p:spPr/>
+        <p:txBody>
+          <a:bodyPr/>
+          <a:lstStyle/>
+          <a:p>
+            <a:r>
+              <a:rPr lang="en-US" dirty="0"/>
+              <a:t>RESULTS &amp; Understanding – Report Summary</a:t>
+            </a:r>
+          </a:p>
+        </p:txBody>
+      </p:sp>
+      <p:sp>
+        <p:nvSpPr>
+          <p:cNvPr id="3" name="Content Placeholder 2">
+            <a:extLst>
+              <a:ext uri="{FF2B5EF4-FFF2-40B4-BE49-F238E27FC236}">
+                <a16:creationId xmlns:a16="http://schemas.microsoft.com/office/drawing/2014/main" id="{EBE6B585-63F8-4393-80E2-6E072B48FC56}"/>
+              </a:ext>
+            </a:extLst>
+          </p:cNvPr>
+          <p:cNvSpPr>
+            <a:spLocks noGrp="1"/>
+          </p:cNvSpPr>
+          <p:nvPr>
+            <p:ph idx="1"/>
+          </p:nvPr>
+        </p:nvSpPr>
+        <p:spPr>
+          <a:xfrm>
+            <a:off x="581192" y="2138680"/>
+            <a:ext cx="5514807" cy="2647949"/>
+          </a:xfrm>
+        </p:spPr>
+        <p:txBody>
+          <a:bodyPr>
+            <a:normAutofit fontScale="85000" lnSpcReduction="10000"/>
+          </a:bodyPr>
+          <a:lstStyle/>
+          <a:p>
+            <a:pPr algn="l">
+              <a:buFont typeface="+mj-lt"/>
+              <a:buAutoNum type="arabicPeriod"/>
+            </a:pPr>
+            <a:r>
+              <a:rPr lang="en-US" b="1" i="0" dirty="0">
+                <a:solidFill>
+                  <a:srgbClr val="404040"/>
+                </a:solidFill>
+                <a:effectLst/>
+                <a:latin typeface="Lato"/>
+              </a:rPr>
+              <a:t>Percentage</a:t>
+            </a:r>
+            <a:r>
+              <a:rPr lang="en-US" b="0" i="0" dirty="0">
+                <a:solidFill>
+                  <a:srgbClr val="404040"/>
+                </a:solidFill>
+                <a:effectLst/>
+                <a:latin typeface="Lato"/>
+              </a:rPr>
+              <a:t> of reads covered by the clade rooted at this taxon</a:t>
+            </a:r>
+          </a:p>
+          <a:p>
+            <a:pPr algn="l">
+              <a:buFont typeface="+mj-lt"/>
+              <a:buAutoNum type="arabicPeriod"/>
+            </a:pPr>
+            <a:r>
+              <a:rPr lang="en-US" b="1" i="0" dirty="0">
+                <a:solidFill>
+                  <a:srgbClr val="404040"/>
+                </a:solidFill>
+                <a:effectLst/>
+                <a:latin typeface="Lato"/>
+              </a:rPr>
+              <a:t>Number of reads</a:t>
+            </a:r>
+            <a:r>
+              <a:rPr lang="en-US" b="0" i="0" dirty="0">
+                <a:solidFill>
+                  <a:srgbClr val="404040"/>
+                </a:solidFill>
+                <a:effectLst/>
+                <a:latin typeface="Lato"/>
+              </a:rPr>
+              <a:t> covered by the clade rooted at this taxon</a:t>
+            </a:r>
+          </a:p>
+          <a:p>
+            <a:pPr algn="l">
+              <a:buFont typeface="+mj-lt"/>
+              <a:buAutoNum type="arabicPeriod"/>
+            </a:pPr>
+            <a:r>
+              <a:rPr lang="en-US" b="1" i="0" dirty="0">
+                <a:solidFill>
+                  <a:srgbClr val="404040"/>
+                </a:solidFill>
+                <a:effectLst/>
+                <a:latin typeface="Lato"/>
+              </a:rPr>
+              <a:t>Number of reads</a:t>
+            </a:r>
+            <a:r>
+              <a:rPr lang="en-US" b="0" i="0" dirty="0">
+                <a:solidFill>
+                  <a:srgbClr val="404040"/>
+                </a:solidFill>
+                <a:effectLst/>
+                <a:latin typeface="Lato"/>
+              </a:rPr>
+              <a:t> assigned directly to this taxon</a:t>
+            </a:r>
+          </a:p>
+          <a:p>
+            <a:pPr algn="l">
+              <a:buFont typeface="+mj-lt"/>
+              <a:buAutoNum type="arabicPeriod"/>
+            </a:pPr>
+            <a:r>
+              <a:rPr lang="en-US" b="0" i="0" dirty="0">
+                <a:solidFill>
+                  <a:srgbClr val="404040"/>
+                </a:solidFill>
+                <a:effectLst/>
+                <a:latin typeface="Lato"/>
+              </a:rPr>
+              <a:t>A rank code, indicating </a:t>
+            </a:r>
+            <a:r>
+              <a:rPr lang="en-US" b="1" i="0" dirty="0">
+                <a:solidFill>
+                  <a:srgbClr val="404040"/>
+                </a:solidFill>
+                <a:effectLst/>
+                <a:latin typeface="Lato"/>
+              </a:rPr>
+              <a:t>(U)</a:t>
+            </a:r>
+            <a:r>
+              <a:rPr lang="en-US" b="1" i="0" dirty="0" err="1">
+                <a:solidFill>
+                  <a:srgbClr val="404040"/>
+                </a:solidFill>
+                <a:effectLst/>
+                <a:latin typeface="Lato"/>
+              </a:rPr>
+              <a:t>nclassified</a:t>
+            </a:r>
+            <a:r>
+              <a:rPr lang="en-US" b="1" i="0" dirty="0">
+                <a:solidFill>
+                  <a:srgbClr val="404040"/>
+                </a:solidFill>
+                <a:effectLst/>
+                <a:latin typeface="Lato"/>
+              </a:rPr>
+              <a:t>, (D)</a:t>
+            </a:r>
+            <a:r>
+              <a:rPr lang="en-US" b="1" i="0" dirty="0" err="1">
+                <a:solidFill>
+                  <a:srgbClr val="404040"/>
+                </a:solidFill>
+                <a:effectLst/>
+                <a:latin typeface="Lato"/>
+              </a:rPr>
+              <a:t>omain</a:t>
+            </a:r>
+            <a:r>
+              <a:rPr lang="en-US" b="1" i="0" dirty="0">
+                <a:solidFill>
+                  <a:srgbClr val="404040"/>
+                </a:solidFill>
+                <a:effectLst/>
+                <a:latin typeface="Lato"/>
+              </a:rPr>
+              <a:t>, (K)</a:t>
+            </a:r>
+            <a:r>
+              <a:rPr lang="en-US" b="1" i="0" dirty="0" err="1">
+                <a:solidFill>
+                  <a:srgbClr val="404040"/>
+                </a:solidFill>
+                <a:effectLst/>
+                <a:latin typeface="Lato"/>
+              </a:rPr>
+              <a:t>ingdom</a:t>
+            </a:r>
+            <a:r>
+              <a:rPr lang="en-US" b="1" i="0" dirty="0">
+                <a:solidFill>
+                  <a:srgbClr val="404040"/>
+                </a:solidFill>
+                <a:effectLst/>
+                <a:latin typeface="Lato"/>
+              </a:rPr>
+              <a:t>, (P)</a:t>
+            </a:r>
+            <a:r>
+              <a:rPr lang="en-US" b="1" i="0" dirty="0" err="1">
+                <a:solidFill>
+                  <a:srgbClr val="404040"/>
+                </a:solidFill>
+                <a:effectLst/>
+                <a:latin typeface="Lato"/>
+              </a:rPr>
+              <a:t>hylum</a:t>
+            </a:r>
+            <a:r>
+              <a:rPr lang="en-US" b="1" i="0" dirty="0">
+                <a:solidFill>
+                  <a:srgbClr val="404040"/>
+                </a:solidFill>
+                <a:effectLst/>
+                <a:latin typeface="Lato"/>
+              </a:rPr>
+              <a:t>, (C)lass, (O)</a:t>
+            </a:r>
+            <a:r>
+              <a:rPr lang="en-US" b="1" i="0" dirty="0" err="1">
+                <a:solidFill>
+                  <a:srgbClr val="404040"/>
+                </a:solidFill>
+                <a:effectLst/>
+                <a:latin typeface="Lato"/>
+              </a:rPr>
+              <a:t>rder</a:t>
+            </a:r>
+            <a:r>
+              <a:rPr lang="en-US" b="1" i="0" dirty="0">
+                <a:solidFill>
+                  <a:srgbClr val="404040"/>
+                </a:solidFill>
+                <a:effectLst/>
+                <a:latin typeface="Lato"/>
+              </a:rPr>
+              <a:t>, (F)</a:t>
+            </a:r>
+            <a:r>
+              <a:rPr lang="en-US" b="1" i="0" dirty="0" err="1">
+                <a:solidFill>
+                  <a:srgbClr val="404040"/>
+                </a:solidFill>
+                <a:effectLst/>
+                <a:latin typeface="Lato"/>
+              </a:rPr>
+              <a:t>amily</a:t>
+            </a:r>
+            <a:r>
+              <a:rPr lang="en-US" b="1" i="0" dirty="0">
+                <a:solidFill>
+                  <a:srgbClr val="404040"/>
+                </a:solidFill>
+                <a:effectLst/>
+                <a:latin typeface="Lato"/>
+              </a:rPr>
+              <a:t>, (G)</a:t>
+            </a:r>
+            <a:r>
+              <a:rPr lang="en-US" b="1" i="0" dirty="0" err="1">
+                <a:solidFill>
+                  <a:srgbClr val="404040"/>
+                </a:solidFill>
+                <a:effectLst/>
+                <a:latin typeface="Lato"/>
+              </a:rPr>
+              <a:t>enus</a:t>
+            </a:r>
+            <a:r>
+              <a:rPr lang="en-US" b="1" i="0" dirty="0">
+                <a:solidFill>
+                  <a:srgbClr val="404040"/>
+                </a:solidFill>
+                <a:effectLst/>
+                <a:latin typeface="Lato"/>
+              </a:rPr>
+              <a:t>, or (S)</a:t>
+            </a:r>
+            <a:r>
+              <a:rPr lang="en-US" b="1" i="0" dirty="0" err="1">
+                <a:solidFill>
+                  <a:srgbClr val="404040"/>
+                </a:solidFill>
+                <a:effectLst/>
+                <a:latin typeface="Lato"/>
+              </a:rPr>
+              <a:t>pecies</a:t>
+            </a:r>
+            <a:r>
+              <a:rPr lang="en-US" b="0" i="0" dirty="0">
+                <a:solidFill>
+                  <a:srgbClr val="404040"/>
+                </a:solidFill>
+                <a:effectLst/>
+                <a:latin typeface="Lato"/>
+              </a:rPr>
+              <a:t>. All other ranks are simply </a:t>
+            </a:r>
+            <a:r>
+              <a:rPr lang="en-US" b="1" i="0" dirty="0">
+                <a:solidFill>
+                  <a:srgbClr val="404040"/>
+                </a:solidFill>
+                <a:effectLst/>
+                <a:latin typeface="Lato"/>
+              </a:rPr>
+              <a:t>“-“</a:t>
+            </a:r>
+            <a:r>
+              <a:rPr lang="en-US" b="0" i="0" dirty="0">
+                <a:solidFill>
+                  <a:srgbClr val="404040"/>
+                </a:solidFill>
+                <a:effectLst/>
+                <a:latin typeface="Lato"/>
+              </a:rPr>
+              <a:t>.</a:t>
+            </a:r>
+          </a:p>
+          <a:p>
+            <a:pPr algn="l">
+              <a:buFont typeface="+mj-lt"/>
+              <a:buAutoNum type="arabicPeriod"/>
+            </a:pPr>
+            <a:r>
+              <a:rPr lang="en-US" b="0" i="0" u="none" strike="noStrike" dirty="0">
+                <a:solidFill>
+                  <a:srgbClr val="2980B9"/>
+                </a:solidFill>
+                <a:effectLst/>
+                <a:latin typeface="Lato"/>
+                <a:hlinkClick r:id="rId2"/>
+              </a:rPr>
+              <a:t>NCBI Taxonomy</a:t>
+            </a:r>
+            <a:r>
+              <a:rPr lang="en-US" b="0" i="0" dirty="0">
+                <a:solidFill>
+                  <a:srgbClr val="404040"/>
+                </a:solidFill>
+                <a:effectLst/>
+                <a:latin typeface="Lato"/>
+              </a:rPr>
+              <a:t> ID</a:t>
+            </a:r>
+          </a:p>
+          <a:p>
+            <a:pPr algn="l">
+              <a:buFont typeface="+mj-lt"/>
+              <a:buAutoNum type="arabicPeriod"/>
+            </a:pPr>
+            <a:r>
+              <a:rPr lang="en-US" b="0" i="0" dirty="0">
+                <a:solidFill>
+                  <a:srgbClr val="404040"/>
+                </a:solidFill>
+                <a:effectLst/>
+                <a:latin typeface="Lato"/>
+              </a:rPr>
+              <a:t>The indented scientific name</a:t>
+            </a:r>
+          </a:p>
+          <a:p>
+            <a:endParaRPr lang="en-US" dirty="0"/>
+          </a:p>
+        </p:txBody>
+      </p:sp>
+      <p:pic>
+        <p:nvPicPr>
+          <p:cNvPr id="5" name="Picture 4">
+            <a:extLst>
+              <a:ext uri="{FF2B5EF4-FFF2-40B4-BE49-F238E27FC236}">
+                <a16:creationId xmlns:a16="http://schemas.microsoft.com/office/drawing/2014/main" id="{E2D93E7C-E272-4D1E-811B-20622C09D259}"/>
+              </a:ext>
+            </a:extLst>
+          </p:cNvPr>
+          <p:cNvPicPr>
+            <a:picLocks noChangeAspect="1"/>
+          </p:cNvPicPr>
+          <p:nvPr/>
+        </p:nvPicPr>
+        <p:blipFill>
+          <a:blip r:embed="rId3"/>
+          <a:stretch>
+            <a:fillRect/>
+          </a:stretch>
+        </p:blipFill>
+        <p:spPr>
+          <a:xfrm>
+            <a:off x="6289806" y="1890875"/>
+            <a:ext cx="4378194" cy="4735597"/>
+          </a:xfrm>
+          <a:prstGeom prst="rect">
+            <a:avLst/>
+          </a:prstGeom>
+        </p:spPr>
+      </p:pic>
+      <p:sp>
+        <p:nvSpPr>
+          <p:cNvPr id="6" name="TextBox 5">
+            <a:extLst>
+              <a:ext uri="{FF2B5EF4-FFF2-40B4-BE49-F238E27FC236}">
+                <a16:creationId xmlns:a16="http://schemas.microsoft.com/office/drawing/2014/main" id="{4EF24902-3366-4670-A484-55282B0CA5B6}"/>
+              </a:ext>
+            </a:extLst>
+          </p:cNvPr>
+          <p:cNvSpPr txBox="1"/>
+          <p:nvPr/>
+        </p:nvSpPr>
+        <p:spPr>
+          <a:xfrm>
+            <a:off x="581192" y="5034433"/>
+            <a:ext cx="5404741" cy="923330"/>
+          </a:xfrm>
+          <a:prstGeom prst="rect">
+            <a:avLst/>
+          </a:prstGeom>
+          <a:noFill/>
+        </p:spPr>
+        <p:txBody>
+          <a:bodyPr wrap="square" rtlCol="0">
+            <a:spAutoFit/>
+          </a:bodyPr>
+          <a:lstStyle/>
+          <a:p>
+            <a:r>
+              <a:rPr lang="en-US" dirty="0"/>
+              <a:t>Source: https://genomics.readthedocs.io/en/latest/ngs-taxonomic-investigation/index.html#wood2014</a:t>
+            </a:r>
+          </a:p>
+        </p:txBody>
+      </p:sp>
+    </p:spTree>
+    <p:extLst>
+      <p:ext uri="{BB962C8B-B14F-4D97-AF65-F5344CB8AC3E}">
+        <p14:creationId xmlns:p14="http://schemas.microsoft.com/office/powerpoint/2010/main" val="3840279189"/>
+      </p:ext>
+    </p:extLst>
+  </p:cSld>
+  <p:clrMapOvr>
+    <a:masterClrMapping/>
+  </p:clrMapOvr>
+</p:sld>
+</file>
+
+<file path=ppt/slides/slide16.xml><?xml version="1.0" encoding="utf-8"?>
+<p:sld xmlns:a="http://schemas.openxmlformats.org/drawingml/2006/main" xmlns:r="http://schemas.openxmlformats.org/officeDocument/2006/relationships" xmlns:p="http://schemas.openxmlformats.org/presentationml/2006/main">
+  <p:cSld>
+    <p:spTree>
+      <p:nvGrpSpPr>
+        <p:cNvPr id="1" name=""/>
+        <p:cNvGrpSpPr/>
+        <p:nvPr/>
+      </p:nvGrpSpPr>
+      <p:grpSpPr>
+        <a:xfrm>
+          <a:off x="0" y="0"/>
+          <a:ext cx="0" cy="0"/>
+          <a:chOff x="0" y="0"/>
+          <a:chExt cx="0" cy="0"/>
+        </a:xfrm>
+      </p:grpSpPr>
+      <p:sp>
+        <p:nvSpPr>
+          <p:cNvPr id="2" name="Title 1">
+            <a:extLst>
+              <a:ext uri="{FF2B5EF4-FFF2-40B4-BE49-F238E27FC236}">
+                <a16:creationId xmlns:a16="http://schemas.microsoft.com/office/drawing/2014/main" id="{D9D447E6-4995-4676-973F-32F7CD29A9DE}"/>
+              </a:ext>
+            </a:extLst>
+          </p:cNvPr>
+          <p:cNvSpPr>
+            <a:spLocks noGrp="1"/>
+          </p:cNvSpPr>
+          <p:nvPr>
+            <p:ph type="title"/>
+          </p:nvPr>
+        </p:nvSpPr>
+        <p:spPr/>
+        <p:txBody>
+          <a:bodyPr/>
+          <a:lstStyle/>
+          <a:p>
+            <a:r>
+              <a:rPr lang="en-US" dirty="0"/>
+              <a:t>Sources</a:t>
+            </a:r>
+          </a:p>
+        </p:txBody>
+      </p:sp>
+      <p:sp>
+        <p:nvSpPr>
+          <p:cNvPr id="3" name="Content Placeholder 2">
+            <a:extLst>
+              <a:ext uri="{FF2B5EF4-FFF2-40B4-BE49-F238E27FC236}">
+                <a16:creationId xmlns:a16="http://schemas.microsoft.com/office/drawing/2014/main" id="{20DA82EA-A168-4AAA-93FA-7F10FB12E1C1}"/>
+              </a:ext>
+            </a:extLst>
+          </p:cNvPr>
+          <p:cNvSpPr>
+            <a:spLocks noGrp="1"/>
+          </p:cNvSpPr>
+          <p:nvPr>
+            <p:ph idx="1"/>
+          </p:nvPr>
+        </p:nvSpPr>
+        <p:spPr/>
+        <p:txBody>
+          <a:bodyPr/>
+          <a:lstStyle/>
+          <a:p>
+            <a:endParaRPr lang="en-US"/>
+          </a:p>
+        </p:txBody>
+      </p:sp>
+    </p:spTree>
+    <p:extLst>
+      <p:ext uri="{BB962C8B-B14F-4D97-AF65-F5344CB8AC3E}">
+        <p14:creationId xmlns:p14="http://schemas.microsoft.com/office/powerpoint/2010/main" val="54011550"/>
+      </p:ext>
+    </p:extLst>
+  </p:cSld>
+  <p:clrMapOvr>
+    <a:masterClrMapping/>
+  </p:clrMapOvr>
+</p:sld>
+</file>
+
 <file path=ppt/slides/slide2.xml><?xml version="1.0" encoding="utf-8"?>
 <p:sld xmlns:a="http://schemas.openxmlformats.org/drawingml/2006/main" xmlns:r="http://schemas.openxmlformats.org/officeDocument/2006/relationships" xmlns:p="http://schemas.openxmlformats.org/presentationml/2006/main">
   <p:cSld>
@@ -11117,7 +13520,7 @@
           <p:cNvPr id="2" name="Title 1">
             <a:extLst>
               <a:ext uri="{FF2B5EF4-FFF2-40B4-BE49-F238E27FC236}">
-                <a16:creationId xmlns:a16="http://schemas.microsoft.com/office/drawing/2014/main" id="{D9D447E6-4995-4676-973F-32F7CD29A9DE}"/>
+                <a16:creationId xmlns:a16="http://schemas.microsoft.com/office/drawing/2014/main" id="{516BAB58-581D-4AF7-A112-C90D85C681C7}"/>
               </a:ext>
             </a:extLst>
           </p:cNvPr>
@@ -11125,7 +13528,7 @@
             <a:spLocks noGrp="1"/>
           </p:cNvSpPr>
           <p:nvPr>
-            <p:ph type="title"/>
+            <p:ph type="ctrTitle"/>
           </p:nvPr>
         </p:nvSpPr>
         <p:spPr/>
@@ -11135,40 +13538,15 @@
           <a:p>
             <a:r>
               <a:rPr lang="en-US" dirty="0"/>
-              <a:t>Sources</a:t>
-            </a:r>
-          </a:p>
-        </p:txBody>
-      </p:sp>
-      <p:sp>
-        <p:nvSpPr>
-          <p:cNvPr id="3" name="Content Placeholder 2">
-            <a:extLst>
-              <a:ext uri="{FF2B5EF4-FFF2-40B4-BE49-F238E27FC236}">
-                <a16:creationId xmlns:a16="http://schemas.microsoft.com/office/drawing/2014/main" id="{20DA82EA-A168-4AAA-93FA-7F10FB12E1C1}"/>
-              </a:ext>
-            </a:extLst>
-          </p:cNvPr>
-          <p:cNvSpPr>
-            <a:spLocks noGrp="1"/>
-          </p:cNvSpPr>
-          <p:nvPr>
-            <p:ph idx="1"/>
-          </p:nvPr>
-        </p:nvSpPr>
-        <p:spPr/>
-        <p:txBody>
-          <a:bodyPr/>
-          <a:lstStyle/>
-          <a:p>
-            <a:endParaRPr lang="en-US"/>
+              <a:t>KRAKEN2 Tutorial</a:t>
+            </a:r>
           </a:p>
         </p:txBody>
       </p:sp>
     </p:spTree>
     <p:extLst>
       <p:ext uri="{BB962C8B-B14F-4D97-AF65-F5344CB8AC3E}">
-        <p14:creationId xmlns:p14="http://schemas.microsoft.com/office/powerpoint/2010/main" val="54011550"/>
+        <p14:creationId xmlns:p14="http://schemas.microsoft.com/office/powerpoint/2010/main" val="4082821246"/>
       </p:ext>
     </p:extLst>
   </p:cSld>

--- a/Tutorial_8_Kraken.pptx
+++ b/Tutorial_8_Kraken.pptx
@@ -3372,7 +3372,7 @@
           <a:p>
             <a:fld id="{5E6A3BB9-99AD-476B-9C03-894D1EC068F8}" type="datetimeFigureOut">
               <a:rPr lang="en-US" smtClean="0"/>
-              <a:t>5/18/2021</a:t>
+              <a:t>5/20/2021</a:t>
             </a:fld>
             <a:endParaRPr lang="en-US"/>
           </a:p>
@@ -3973,7 +3973,7 @@
           <a:p>
             <a:fld id="{ED291B17-9318-49DB-B28B-6E5994AE9581}" type="datetime1">
               <a:rPr lang="en-US" smtClean="0"/>
-              <a:t>5/18/2021</a:t>
+              <a:t>5/20/2021</a:t>
             </a:fld>
             <a:endParaRPr lang="en-US" dirty="0"/>
           </a:p>
@@ -4176,7 +4176,7 @@
           <a:p>
             <a:fld id="{2CED4963-E985-44C4-B8C4-FDD613B7C2F8}" type="datetime1">
               <a:rPr lang="en-US" smtClean="0"/>
-              <a:t>5/18/2021</a:t>
+              <a:t>5/20/2021</a:t>
             </a:fld>
             <a:endParaRPr lang="en-US" dirty="0"/>
           </a:p>
@@ -4538,7 +4538,7 @@
           <a:p>
             <a:fld id="{ED291B17-9318-49DB-B28B-6E5994AE9581}" type="datetime1">
               <a:rPr lang="en-US" smtClean="0"/>
-              <a:t>5/18/2021</a:t>
+              <a:t>5/20/2021</a:t>
             </a:fld>
             <a:endParaRPr lang="en-US" dirty="0"/>
           </a:p>
@@ -4736,7 +4736,7 @@
           <a:p>
             <a:fld id="{78DD82B9-B8EE-4375-B6FF-88FA6ABB15D9}" type="datetime1">
               <a:rPr lang="en-US" smtClean="0"/>
-              <a:t>5/18/2021</a:t>
+              <a:t>5/20/2021</a:t>
             </a:fld>
             <a:endParaRPr lang="en-US" dirty="0"/>
           </a:p>
@@ -5048,7 +5048,7 @@
           <a:p>
             <a:fld id="{B2497495-0637-405E-AE64-5CC7506D51F5}" type="datetime1">
               <a:rPr lang="en-US" smtClean="0"/>
-              <a:t>5/18/2021</a:t>
+              <a:t>5/20/2021</a:t>
             </a:fld>
             <a:endParaRPr lang="en-US" dirty="0"/>
           </a:p>
@@ -5301,7 +5301,7 @@
           <a:p>
             <a:fld id="{7BFFD690-9426-415D-8B65-26881E07B2D4}" type="datetime1">
               <a:rPr lang="en-US" smtClean="0"/>
-              <a:t>5/18/2021</a:t>
+              <a:t>5/20/2021</a:t>
             </a:fld>
             <a:endParaRPr lang="en-US" dirty="0"/>
           </a:p>
@@ -5723,7 +5723,7 @@
           <a:p>
             <a:fld id="{04C4989A-474C-40DE-95B9-011C28B71673}" type="datetime1">
               <a:rPr lang="en-US" smtClean="0"/>
-              <a:t>5/18/2021</a:t>
+              <a:t>5/20/2021</a:t>
             </a:fld>
             <a:endParaRPr lang="en-US" dirty="0"/>
           </a:p>
@@ -5846,7 +5846,7 @@
           <a:p>
             <a:fld id="{5DB4ED54-5B5E-4A04-93D3-5772E3CE3818}" type="datetime1">
               <a:rPr lang="en-US" smtClean="0"/>
-              <a:t>5/18/2021</a:t>
+              <a:t>5/20/2021</a:t>
             </a:fld>
             <a:endParaRPr lang="en-US" dirty="0"/>
           </a:p>
@@ -5941,7 +5941,7 @@
           <a:p>
             <a:fld id="{4EDE50D6-574B-40AF-946F-D52A04ADE379}" type="datetime1">
               <a:rPr lang="en-US" smtClean="0"/>
-              <a:t>5/18/2021</a:t>
+              <a:t>5/20/2021</a:t>
             </a:fld>
             <a:endParaRPr lang="en-US" dirty="0"/>
           </a:p>
@@ -6318,7 +6318,7 @@
           <a:p>
             <a:fld id="{D82884F1-FFEA-405F-9602-3DCA865EDA4E}" type="datetime1">
               <a:rPr lang="en-US" smtClean="0"/>
-              <a:t>5/18/2021</a:t>
+              <a:t>5/20/2021</a:t>
             </a:fld>
             <a:endParaRPr lang="en-US" dirty="0"/>
           </a:p>
@@ -6611,7 +6611,7 @@
           <a:p>
             <a:fld id="{7E18DB4A-8810-4A10-AD5C-D5E2C667F5B3}" type="datetime1">
               <a:rPr lang="en-US" smtClean="0"/>
-              <a:t>5/18/2021</a:t>
+              <a:t>5/20/2021</a:t>
             </a:fld>
             <a:endParaRPr lang="en-US" dirty="0"/>
           </a:p>
@@ -6826,7 +6826,7 @@
           <a:p>
             <a:fld id="{ED291B17-9318-49DB-B28B-6E5994AE9581}" type="datetime1">
               <a:rPr lang="en-US" smtClean="0"/>
-              <a:t>5/18/2021</a:t>
+              <a:t>5/20/2021</a:t>
             </a:fld>
             <a:endParaRPr lang="en-US" dirty="0"/>
           </a:p>
@@ -10158,7 +10158,111 @@
           <a:bodyPr/>
           <a:lstStyle/>
           <a:p>
-            <a:endParaRPr lang="en-US"/>
+            <a:r>
+              <a:rPr lang="en-US" dirty="0">
+                <a:effectLst/>
+              </a:rPr>
+              <a:t>“6. Taxonomic investigation¶,” </a:t>
+            </a:r>
+            <a:r>
+              <a:rPr lang="en-US" i="1" dirty="0">
+                <a:effectLst/>
+              </a:rPr>
+              <a:t>6. Taxonomic investigation - Genomics Tutorial 2020.2.0 documentation</a:t>
+            </a:r>
+            <a:r>
+              <a:rPr lang="en-US" dirty="0">
+                <a:effectLst/>
+              </a:rPr>
+              <a:t>. [Online]. Available: https://genomics.readthedocs.io/en/latest/ngs-taxonomic-investigation/index.html#kraken2. [Accessed: 20-May-2021]. </a:t>
+            </a:r>
+          </a:p>
+          <a:p>
+            <a:r>
+              <a:rPr lang="en-US" dirty="0">
+                <a:effectLst/>
+              </a:rPr>
+              <a:t>D. E. Wood and S. L. </a:t>
+            </a:r>
+            <a:r>
+              <a:rPr lang="en-US" dirty="0" err="1">
+                <a:effectLst/>
+              </a:rPr>
+              <a:t>Salzberg</a:t>
+            </a:r>
+            <a:r>
+              <a:rPr lang="en-US" dirty="0">
+                <a:effectLst/>
+              </a:rPr>
+              <a:t>, “Kraken: ultrafast metagenomic sequence classification using exact alignments,” </a:t>
+            </a:r>
+            <a:r>
+              <a:rPr lang="en-US" i="1" dirty="0">
+                <a:effectLst/>
+              </a:rPr>
+              <a:t>Genome Biology</a:t>
+            </a:r>
+            <a:r>
+              <a:rPr lang="en-US" dirty="0">
+                <a:effectLst/>
+              </a:rPr>
+              <a:t>, 03-Mar-2014. [Online]. Available: https://genomebiology.biomedcentral.com/articles/10.1186/gb-2014-15-3-r46. [Accessed: 20-May-2021]. </a:t>
+            </a:r>
+          </a:p>
+          <a:p>
+            <a:r>
+              <a:rPr lang="en-US" dirty="0">
+                <a:effectLst/>
+              </a:rPr>
+              <a:t>D. Wood, “</a:t>
+            </a:r>
+            <a:r>
+              <a:rPr lang="en-US" dirty="0" err="1">
+                <a:effectLst/>
+              </a:rPr>
+              <a:t>DerrickWood</a:t>
+            </a:r>
+            <a:r>
+              <a:rPr lang="en-US" dirty="0">
+                <a:effectLst/>
+              </a:rPr>
+              <a:t>/kraken2,” </a:t>
+            </a:r>
+            <a:r>
+              <a:rPr lang="en-US" i="1" dirty="0">
+                <a:effectLst/>
+              </a:rPr>
+              <a:t>GitHub</a:t>
+            </a:r>
+            <a:r>
+              <a:rPr lang="en-US" dirty="0">
+                <a:effectLst/>
+              </a:rPr>
+              <a:t>. [Online]. Available: https://github.com/DerrickWood/kraken2. [Accessed: 20-May-2021]. </a:t>
+            </a:r>
+          </a:p>
+          <a:p>
+            <a:r>
+              <a:rPr lang="en-US" dirty="0">
+                <a:effectLst/>
+              </a:rPr>
+              <a:t>M. Lee, “Genomics,” </a:t>
+            </a:r>
+            <a:r>
+              <a:rPr lang="en-US" i="1" dirty="0">
+                <a:effectLst/>
+              </a:rPr>
+              <a:t>Happy Belly Bioinformatics</a:t>
+            </a:r>
+            <a:r>
+              <a:rPr lang="en-US" dirty="0">
+                <a:effectLst/>
+              </a:rPr>
+              <a:t>, 2021. [Online]. Available: https://astrobiomike.github.io/genomics/. [Accessed: 20-May-2021]. </a:t>
+            </a:r>
+          </a:p>
+          <a:p>
+            <a:endParaRPr lang="en-US" dirty="0"/>
           </a:p>
         </p:txBody>
       </p:sp>
